--- a/presentationIG.pptx
+++ b/presentationIG.pptx
@@ -5,7 +5,7 @@
     <p:sldMasterId id="2147483648" r:id="rId1"/>
   </p:sldMasterIdLst>
   <p:notesMasterIdLst>
-    <p:notesMasterId r:id="rId17"/>
+    <p:notesMasterId r:id="rId18"/>
   </p:notesMasterIdLst>
   <p:sldIdLst>
     <p:sldId id="256" r:id="rId2"/>
@@ -22,7 +22,8 @@
     <p:sldId id="268" r:id="rId13"/>
     <p:sldId id="270" r:id="rId14"/>
     <p:sldId id="271" r:id="rId15"/>
-    <p:sldId id="272" r:id="rId16"/>
+    <p:sldId id="273" r:id="rId16"/>
+    <p:sldId id="272" r:id="rId17"/>
   </p:sldIdLst>
   <p:sldSz cx="12192000" cy="6858000"/>
   <p:notesSz cx="6858000" cy="9144000"/>
@@ -206,6 +207,7 @@
           <a:p>
             <a:fld id="{51EAC72B-0732-4AC9-BD7F-1990026B1881}" type="datetimeFigureOut">
               <a:rPr lang="ru-RU" smtClean="0"/>
+              <a:pPr/>
               <a:t>23.05.2022</a:t>
             </a:fld>
             <a:endParaRPr lang="ru-RU"/>
@@ -364,6 +366,7 @@
           <a:p>
             <a:fld id="{2C8D323E-8B68-4629-A44A-EC4790221EE0}" type="slidenum">
               <a:rPr lang="ru-RU" smtClean="0"/>
+              <a:pPr/>
               <a:t>‹#›</a:t>
             </a:fld>
             <a:endParaRPr lang="ru-RU"/>
@@ -373,7 +376,7 @@
     </p:spTree>
     <p:extLst>
       <p:ext uri="{BB962C8B-B14F-4D97-AF65-F5344CB8AC3E}">
-        <p14:creationId xmlns:p14="http://schemas.microsoft.com/office/powerpoint/2010/main" val="2346776705"/>
+        <p14:creationId xmlns:p14="http://schemas.microsoft.com/office/powerpoint/2010/main" xmlns="" val="2346776705"/>
       </p:ext>
     </p:extLst>
   </p:cSld>
@@ -686,6 +689,7 @@
           <a:p>
             <a:fld id="{5C4C2220-1403-4CDA-BBC6-D2959E229310}" type="datetime1">
               <a:rPr lang="en-US" smtClean="0"/>
+              <a:pPr/>
               <a:t>5/23/2022</a:t>
             </a:fld>
             <a:endParaRPr lang="en-US" dirty="0"/>
@@ -973,6 +977,7 @@
           <a:p>
             <a:fld id="{8D9A1896-860D-4423-BA8C-7B217E5F707C}" type="datetime1">
               <a:rPr lang="en-US" smtClean="0"/>
+              <a:pPr/>
               <a:t>5/23/2022</a:t>
             </a:fld>
             <a:endParaRPr lang="en-US" dirty="0"/>
@@ -1228,6 +1233,7 @@
           <a:p>
             <a:fld id="{9D16BDC8-B666-4903-A065-7991F6DCDACA}" type="datetime1">
               <a:rPr lang="en-US" smtClean="0"/>
+              <a:pPr/>
               <a:t>5/23/2022</a:t>
             </a:fld>
             <a:endParaRPr lang="en-US" dirty="0"/>
@@ -1693,6 +1699,7 @@
           <a:p>
             <a:fld id="{E12A674B-C2D5-4DCD-AF37-FD6B78C84F9C}" type="datetime1">
               <a:rPr lang="en-US" smtClean="0"/>
+              <a:pPr/>
               <a:t>5/23/2022</a:t>
             </a:fld>
             <a:endParaRPr lang="en-US" dirty="0"/>
@@ -1869,6 +1876,7 @@
           <a:p>
             <a:fld id="{4BD540C7-B500-4EB4-9366-B87296A2EFAA}" type="datetime1">
               <a:rPr lang="en-US" smtClean="0"/>
+              <a:pPr/>
               <a:t>5/23/2022</a:t>
             </a:fld>
             <a:endParaRPr lang="en-US" dirty="0"/>
@@ -2441,6 +2449,7 @@
           <a:p>
             <a:fld id="{6329324B-B167-40E1-8610-59840269768B}" type="datetime1">
               <a:rPr lang="en-US" smtClean="0"/>
+              <a:pPr/>
               <a:t>5/23/2022</a:t>
             </a:fld>
             <a:endParaRPr lang="en-US" dirty="0"/>
@@ -2769,6 +2778,7 @@
           <a:p>
             <a:fld id="{119247B3-5CA2-4CFF-AE23-C0D9E778DBC8}" type="datetime1">
               <a:rPr lang="en-US" smtClean="0"/>
+              <a:pPr/>
               <a:t>5/23/2022</a:t>
             </a:fld>
             <a:endParaRPr lang="en-US" dirty="0"/>
@@ -2940,6 +2950,7 @@
           <a:p>
             <a:fld id="{4045E971-6F17-47EA-9942-2FA24C1F9947}" type="datetime1">
               <a:rPr lang="en-US" smtClean="0"/>
+              <a:pPr/>
               <a:t>5/23/2022</a:t>
             </a:fld>
             <a:endParaRPr lang="en-US" dirty="0"/>
@@ -3116,6 +3127,7 @@
           <a:p>
             <a:fld id="{2EED6D1F-347D-4064-8C93-1EE12D0B777B}" type="datetime1">
               <a:rPr lang="en-US" smtClean="0"/>
+              <a:pPr/>
               <a:t>5/23/2022</a:t>
             </a:fld>
             <a:endParaRPr lang="en-US" dirty="0"/>
@@ -3282,6 +3294,7 @@
           <a:p>
             <a:fld id="{D312903D-0797-4AAA-B3EA-C64DB666ABAE}" type="datetime1">
               <a:rPr lang="en-US" smtClean="0"/>
+              <a:pPr/>
               <a:t>5/23/2022</a:t>
             </a:fld>
             <a:endParaRPr lang="en-US" dirty="0"/>
@@ -3535,6 +3548,7 @@
           <a:p>
             <a:fld id="{81C4BBCD-33FD-44C9-AC98-3CC01A7AAE59}" type="datetime1">
               <a:rPr lang="en-US" smtClean="0"/>
+              <a:pPr/>
               <a:t>5/23/2022</a:t>
             </a:fld>
             <a:endParaRPr lang="en-US" dirty="0"/>
@@ -3823,6 +3837,7 @@
           <a:p>
             <a:fld id="{78F79AB3-28DA-414B-94A9-632B95CE2E90}" type="datetime1">
               <a:rPr lang="en-US" smtClean="0"/>
+              <a:pPr/>
               <a:t>5/23/2022</a:t>
             </a:fld>
             <a:endParaRPr lang="en-US" dirty="0"/>
@@ -4249,6 +4264,7 @@
           <a:p>
             <a:fld id="{64950529-E9A1-4A08-95BB-0FF7C61E829E}" type="datetime1">
               <a:rPr lang="en-US" smtClean="0"/>
+              <a:pPr/>
               <a:t>5/23/2022</a:t>
             </a:fld>
             <a:endParaRPr lang="en-US" dirty="0"/>
@@ -4363,6 +4379,7 @@
           <a:p>
             <a:fld id="{EEC77F81-6944-4588-BFAC-E035290BE3E1}" type="datetime1">
               <a:rPr lang="en-US" smtClean="0"/>
+              <a:pPr/>
               <a:t>5/23/2022</a:t>
             </a:fld>
             <a:endParaRPr lang="en-US" dirty="0"/>
@@ -4454,6 +4471,7 @@
           <a:p>
             <a:fld id="{46BECBB9-2F0E-4472-95B1-DBD565675042}" type="datetime1">
               <a:rPr lang="en-US" smtClean="0"/>
+              <a:pPr/>
               <a:t>5/23/2022</a:t>
             </a:fld>
             <a:endParaRPr lang="en-US" dirty="0"/>
@@ -4733,6 +4751,7 @@
           <a:p>
             <a:fld id="{7E7A14A7-CB38-4130-92C7-91B5C91C9702}" type="datetime1">
               <a:rPr lang="en-US" smtClean="0"/>
+              <a:pPr/>
               <a:t>5/23/2022</a:t>
             </a:fld>
             <a:endParaRPr lang="en-US" dirty="0"/>
@@ -5020,6 +5039,7 @@
           <a:p>
             <a:fld id="{0922D271-90BF-49E6-9187-8BA406F51C09}" type="datetime1">
               <a:rPr lang="en-US" smtClean="0"/>
+              <a:pPr/>
               <a:t>5/23/2022</a:t>
             </a:fld>
             <a:endParaRPr lang="en-US" dirty="0"/>
@@ -5247,6 +5267,7 @@
           <a:p>
             <a:fld id="{EBF1BD82-7F00-4518-BFE7-E9277E246F32}" type="datetime1">
               <a:rPr lang="en-US" smtClean="0"/>
+              <a:pPr/>
               <a:t>5/23/2022</a:t>
             </a:fld>
             <a:endParaRPr lang="en-US" dirty="0"/>
@@ -6018,7 +6039,7 @@
           <p:cNvPr id="2" name="Заголовок 1">
             <a:extLst>
               <a:ext uri="{FF2B5EF4-FFF2-40B4-BE49-F238E27FC236}">
-                <a16:creationId xmlns:a16="http://schemas.microsoft.com/office/drawing/2014/main" id="{EECB6F5C-884A-B5AC-34DE-06DB9E723CB1}"/>
+                <a16:creationId xmlns:a16="http://schemas.microsoft.com/office/drawing/2014/main" xmlns="" id="{EECB6F5C-884A-B5AC-34DE-06DB9E723CB1}"/>
               </a:ext>
             </a:extLst>
           </p:cNvPr>
@@ -6053,7 +6074,7 @@
           <p:cNvPr id="3" name="Подзаголовок 2">
             <a:extLst>
               <a:ext uri="{FF2B5EF4-FFF2-40B4-BE49-F238E27FC236}">
-                <a16:creationId xmlns:a16="http://schemas.microsoft.com/office/drawing/2014/main" id="{BC2F7BB1-E4F0-CD9D-03ED-8E29C890CF60}"/>
+                <a16:creationId xmlns:a16="http://schemas.microsoft.com/office/drawing/2014/main" xmlns="" id="{BC2F7BB1-E4F0-CD9D-03ED-8E29C890CF60}"/>
               </a:ext>
             </a:extLst>
           </p:cNvPr>
@@ -6066,20 +6087,22 @@
         </p:nvSpPr>
         <p:spPr>
           <a:xfrm>
-            <a:off x="825979" y="4646426"/>
-            <a:ext cx="7190969" cy="889591"/>
+            <a:off x="5969619" y="5213737"/>
+            <a:ext cx="5942682" cy="889591"/>
           </a:xfrm>
         </p:spPr>
         <p:txBody>
           <a:bodyPr/>
           <a:lstStyle/>
           <a:p>
+            <a:pPr algn="r"/>
             <a:r>
               <a:rPr lang="ru-RU" dirty="0"/>
               <a:t>Выполнила: Давыдов Екатерина</a:t>
             </a:r>
           </a:p>
           <a:p>
+            <a:pPr algn="r"/>
             <a:r>
               <a:rPr lang="ru-RU" dirty="0"/>
               <a:t>Группа:</a:t>
@@ -6095,13 +6118,20 @@
     </p:spTree>
     <p:extLst>
       <p:ext uri="{BB962C8B-B14F-4D97-AF65-F5344CB8AC3E}">
-        <p14:creationId xmlns:p14="http://schemas.microsoft.com/office/powerpoint/2010/main" val="2161603549"/>
+        <p14:creationId xmlns:p14="http://schemas.microsoft.com/office/powerpoint/2010/main" xmlns="" val="2161603549"/>
       </p:ext>
     </p:extLst>
   </p:cSld>
   <p:clrMapOvr>
     <a:masterClrMapping/>
   </p:clrMapOvr>
+  <p:timing>
+    <p:tnLst>
+      <p:par>
+        <p:cTn id="1" dur="indefinite" restart="never" nodeType="tmRoot"/>
+      </p:par>
+    </p:tnLst>
+  </p:timing>
 </p:sld>
 </file>
 
@@ -6127,7 +6157,7 @@
           <p:cNvPr id="2" name="Заголовок 1">
             <a:extLst>
               <a:ext uri="{FF2B5EF4-FFF2-40B4-BE49-F238E27FC236}">
-                <a16:creationId xmlns:a16="http://schemas.microsoft.com/office/drawing/2014/main" id="{5868C88E-1F68-CBB6-0E93-A76521F4A940}"/>
+                <a16:creationId xmlns:a16="http://schemas.microsoft.com/office/drawing/2014/main" xmlns="" id="{5868C88E-1F68-CBB6-0E93-A76521F4A940}"/>
               </a:ext>
             </a:extLst>
           </p:cNvPr>
@@ -6164,7 +6194,7 @@
           <p:cNvPr id="7170" name="Picture 2" descr="Создание компьютерных вирусов timeline | Timetoast timelines">
             <a:extLst>
               <a:ext uri="{FF2B5EF4-FFF2-40B4-BE49-F238E27FC236}">
-                <a16:creationId xmlns:a16="http://schemas.microsoft.com/office/drawing/2014/main" id="{47A5E0F7-4D32-2FE1-B708-71F0820E97C8}"/>
+                <a16:creationId xmlns:a16="http://schemas.microsoft.com/office/drawing/2014/main" xmlns="" id="{47A5E0F7-4D32-2FE1-B708-71F0820E97C8}"/>
               </a:ext>
             </a:extLst>
           </p:cNvPr>
@@ -6179,7 +6209,7 @@
           <a:blip r:embed="rId2">
             <a:extLst>
               <a:ext uri="{28A0092B-C50C-407E-A947-70E740481C1C}">
-                <a14:useLocalDpi xmlns:a14="http://schemas.microsoft.com/office/drawing/2010/main" val="0"/>
+                <a14:useLocalDpi xmlns:a14="http://schemas.microsoft.com/office/drawing/2010/main" xmlns="" val="0"/>
               </a:ext>
             </a:extLst>
           </a:blip>
@@ -6199,7 +6229,7 @@
           <a:noFill/>
           <a:extLst>
             <a:ext uri="{909E8E84-426E-40DD-AFC4-6F175D3DCCD1}">
-              <a14:hiddenFill xmlns:a14="http://schemas.microsoft.com/office/drawing/2010/main">
+              <a14:hiddenFill xmlns:a14="http://schemas.microsoft.com/office/drawing/2010/main" xmlns="">
                 <a:solidFill>
                   <a:srgbClr val="FFFFFF"/>
                 </a:solidFill>
@@ -6213,7 +6243,7 @@
           <p:cNvPr id="7172" name="Picture 4" descr="AIDS (Trojan horse) - Wikipedia">
             <a:extLst>
               <a:ext uri="{FF2B5EF4-FFF2-40B4-BE49-F238E27FC236}">
-                <a16:creationId xmlns:a16="http://schemas.microsoft.com/office/drawing/2014/main" id="{01F5764C-6437-4DFE-297D-3D9E936A30F8}"/>
+                <a16:creationId xmlns:a16="http://schemas.microsoft.com/office/drawing/2014/main" xmlns="" id="{01F5764C-6437-4DFE-297D-3D9E936A30F8}"/>
               </a:ext>
             </a:extLst>
           </p:cNvPr>
@@ -6228,7 +6258,7 @@
           <a:blip r:embed="rId3">
             <a:extLst>
               <a:ext uri="{28A0092B-C50C-407E-A947-70E740481C1C}">
-                <a14:useLocalDpi xmlns:a14="http://schemas.microsoft.com/office/drawing/2010/main" val="0"/>
+                <a14:useLocalDpi xmlns:a14="http://schemas.microsoft.com/office/drawing/2010/main" xmlns="" val="0"/>
               </a:ext>
             </a:extLst>
           </a:blip>
@@ -6248,7 +6278,7 @@
           <a:noFill/>
           <a:extLst>
             <a:ext uri="{909E8E84-426E-40DD-AFC4-6F175D3DCCD1}">
-              <a14:hiddenFill xmlns:a14="http://schemas.microsoft.com/office/drawing/2010/main">
+              <a14:hiddenFill xmlns:a14="http://schemas.microsoft.com/office/drawing/2010/main" xmlns="">
                 <a:solidFill>
                   <a:srgbClr val="FFFFFF"/>
                 </a:solidFill>
@@ -6262,7 +6292,7 @@
           <p:cNvPr id="7" name="Нижний колонтитул 6">
             <a:extLst>
               <a:ext uri="{FF2B5EF4-FFF2-40B4-BE49-F238E27FC236}">
-                <a16:creationId xmlns:a16="http://schemas.microsoft.com/office/drawing/2014/main" id="{6B31D1F0-C3DB-72FC-1480-8F035772AB63}"/>
+                <a16:creationId xmlns:a16="http://schemas.microsoft.com/office/drawing/2014/main" xmlns="" id="{6B31D1F0-C3DB-72FC-1480-8F035772AB63}"/>
               </a:ext>
             </a:extLst>
           </p:cNvPr>
@@ -6287,7 +6317,7 @@
           <p:cNvPr id="8" name="Номер слайда 7">
             <a:extLst>
               <a:ext uri="{FF2B5EF4-FFF2-40B4-BE49-F238E27FC236}">
-                <a16:creationId xmlns:a16="http://schemas.microsoft.com/office/drawing/2014/main" id="{6B3167E7-0695-2BB0-5B5A-D5763412EE06}"/>
+                <a16:creationId xmlns:a16="http://schemas.microsoft.com/office/drawing/2014/main" xmlns="" id="{6B3167E7-0695-2BB0-5B5A-D5763412EE06}"/>
               </a:ext>
             </a:extLst>
           </p:cNvPr>
@@ -6312,10 +6342,57 @@
           </a:p>
         </p:txBody>
       </p:sp>
+      <p:sp>
+        <p:nvSpPr>
+          <p:cNvPr id="9" name="Управляющая кнопка: домой 8">
+            <a:hlinkClick r:id="rId4" action="ppaction://hlinksldjump" highlightClick="1"/>
+          </p:cNvPr>
+          <p:cNvSpPr/>
+          <p:nvPr/>
+        </p:nvSpPr>
+        <p:spPr>
+          <a:xfrm>
+            <a:off x="336332" y="5927835"/>
+            <a:ext cx="515007" cy="536027"/>
+          </a:xfrm>
+          <a:prstGeom prst="actionButtonHome">
+            <a:avLst/>
+          </a:prstGeom>
+          <a:ln>
+            <a:solidFill>
+              <a:schemeClr val="tx1"/>
+            </a:solidFill>
+          </a:ln>
+        </p:spPr>
+        <p:style>
+          <a:lnRef idx="2">
+            <a:schemeClr val="accent1">
+              <a:shade val="50000"/>
+            </a:schemeClr>
+          </a:lnRef>
+          <a:fillRef idx="1">
+            <a:schemeClr val="accent1"/>
+          </a:fillRef>
+          <a:effectRef idx="0">
+            <a:schemeClr val="accent1"/>
+          </a:effectRef>
+          <a:fontRef idx="minor">
+            <a:schemeClr val="lt1"/>
+          </a:fontRef>
+        </p:style>
+        <p:txBody>
+          <a:bodyPr rtlCol="0" anchor="ctr"/>
+          <a:lstStyle/>
+          <a:p>
+            <a:pPr algn="ctr"/>
+            <a:endParaRPr lang="en-US"/>
+          </a:p>
+        </p:txBody>
+      </p:sp>
     </p:spTree>
     <p:extLst>
       <p:ext uri="{BB962C8B-B14F-4D97-AF65-F5344CB8AC3E}">
-        <p14:creationId xmlns:p14="http://schemas.microsoft.com/office/powerpoint/2010/main" val="3533150644"/>
+        <p14:creationId xmlns:p14="http://schemas.microsoft.com/office/powerpoint/2010/main" xmlns="" val="3533150644"/>
       </p:ext>
     </p:extLst>
   </p:cSld>
@@ -6347,7 +6424,7 @@
           <p:cNvPr id="2" name="Заголовок 1">
             <a:extLst>
               <a:ext uri="{FF2B5EF4-FFF2-40B4-BE49-F238E27FC236}">
-                <a16:creationId xmlns:a16="http://schemas.microsoft.com/office/drawing/2014/main" id="{E70AC80F-C615-437C-1E29-B0B390BF0917}"/>
+                <a16:creationId xmlns:a16="http://schemas.microsoft.com/office/drawing/2014/main" xmlns="" id="{E70AC80F-C615-437C-1E29-B0B390BF0917}"/>
               </a:ext>
             </a:extLst>
           </p:cNvPr>
@@ -6384,7 +6461,7 @@
           <p:cNvPr id="3" name="Объект 2">
             <a:extLst>
               <a:ext uri="{FF2B5EF4-FFF2-40B4-BE49-F238E27FC236}">
-                <a16:creationId xmlns:a16="http://schemas.microsoft.com/office/drawing/2014/main" id="{C8EC6E71-02D9-3688-6FD8-23C1F0E05C04}"/>
+                <a16:creationId xmlns:a16="http://schemas.microsoft.com/office/drawing/2014/main" xmlns="" id="{C8EC6E71-02D9-3688-6FD8-23C1F0E05C04}"/>
               </a:ext>
             </a:extLst>
           </p:cNvPr>
@@ -6658,7 +6735,7 @@
           <p:cNvPr id="4" name="Нижний колонтитул 3">
             <a:extLst>
               <a:ext uri="{FF2B5EF4-FFF2-40B4-BE49-F238E27FC236}">
-                <a16:creationId xmlns:a16="http://schemas.microsoft.com/office/drawing/2014/main" id="{F2757AE1-AEAA-7E6E-1241-60F9802CBBEC}"/>
+                <a16:creationId xmlns:a16="http://schemas.microsoft.com/office/drawing/2014/main" xmlns="" id="{F2757AE1-AEAA-7E6E-1241-60F9802CBBEC}"/>
               </a:ext>
             </a:extLst>
           </p:cNvPr>
@@ -6683,7 +6760,7 @@
           <p:cNvPr id="5" name="Номер слайда 4">
             <a:extLst>
               <a:ext uri="{FF2B5EF4-FFF2-40B4-BE49-F238E27FC236}">
-                <a16:creationId xmlns:a16="http://schemas.microsoft.com/office/drawing/2014/main" id="{93F95E3F-C249-F4ED-A0B3-9A8C98B59E0D}"/>
+                <a16:creationId xmlns:a16="http://schemas.microsoft.com/office/drawing/2014/main" xmlns="" id="{93F95E3F-C249-F4ED-A0B3-9A8C98B59E0D}"/>
               </a:ext>
             </a:extLst>
           </p:cNvPr>
@@ -6708,10 +6785,57 @@
           </a:p>
         </p:txBody>
       </p:sp>
+      <p:sp>
+        <p:nvSpPr>
+          <p:cNvPr id="6" name="Управляющая кнопка: домой 5">
+            <a:hlinkClick r:id="rId2" action="ppaction://hlinksldjump" highlightClick="1"/>
+          </p:cNvPr>
+          <p:cNvSpPr/>
+          <p:nvPr/>
+        </p:nvSpPr>
+        <p:spPr>
+          <a:xfrm>
+            <a:off x="336332" y="5927835"/>
+            <a:ext cx="515007" cy="536027"/>
+          </a:xfrm>
+          <a:prstGeom prst="actionButtonHome">
+            <a:avLst/>
+          </a:prstGeom>
+          <a:ln>
+            <a:solidFill>
+              <a:schemeClr val="tx1"/>
+            </a:solidFill>
+          </a:ln>
+        </p:spPr>
+        <p:style>
+          <a:lnRef idx="2">
+            <a:schemeClr val="accent1">
+              <a:shade val="50000"/>
+            </a:schemeClr>
+          </a:lnRef>
+          <a:fillRef idx="1">
+            <a:schemeClr val="accent1"/>
+          </a:fillRef>
+          <a:effectRef idx="0">
+            <a:schemeClr val="accent1"/>
+          </a:effectRef>
+          <a:fontRef idx="minor">
+            <a:schemeClr val="lt1"/>
+          </a:fontRef>
+        </p:style>
+        <p:txBody>
+          <a:bodyPr rtlCol="0" anchor="ctr"/>
+          <a:lstStyle/>
+          <a:p>
+            <a:pPr algn="ctr"/>
+            <a:endParaRPr lang="en-US"/>
+          </a:p>
+        </p:txBody>
+      </p:sp>
     </p:spTree>
     <p:extLst>
       <p:ext uri="{BB962C8B-B14F-4D97-AF65-F5344CB8AC3E}">
-        <p14:creationId xmlns:p14="http://schemas.microsoft.com/office/powerpoint/2010/main" val="4028824709"/>
+        <p14:creationId xmlns:p14="http://schemas.microsoft.com/office/powerpoint/2010/main" xmlns="" val="4028824709"/>
       </p:ext>
     </p:extLst>
   </p:cSld>
@@ -6743,7 +6867,7 @@
           <p:cNvPr id="10242" name="Picture 2" descr="Как надежно защитить компьютер от хакеров и вирусов">
             <a:extLst>
               <a:ext uri="{FF2B5EF4-FFF2-40B4-BE49-F238E27FC236}">
-                <a16:creationId xmlns:a16="http://schemas.microsoft.com/office/drawing/2014/main" id="{4A385CD1-491D-6F05-03B9-2EEFC1B4300E}"/>
+                <a16:creationId xmlns:a16="http://schemas.microsoft.com/office/drawing/2014/main" xmlns="" id="{4A385CD1-491D-6F05-03B9-2EEFC1B4300E}"/>
               </a:ext>
             </a:extLst>
           </p:cNvPr>
@@ -6756,7 +6880,7 @@
           <a:blip r:embed="rId2">
             <a:extLst>
               <a:ext uri="{28A0092B-C50C-407E-A947-70E740481C1C}">
-                <a14:useLocalDpi xmlns:a14="http://schemas.microsoft.com/office/drawing/2010/main" val="0"/>
+                <a14:useLocalDpi xmlns:a14="http://schemas.microsoft.com/office/drawing/2010/main" xmlns="" val="0"/>
               </a:ext>
             </a:extLst>
           </a:blip>
@@ -6776,7 +6900,7 @@
           <a:noFill/>
           <a:extLst>
             <a:ext uri="{909E8E84-426E-40DD-AFC4-6F175D3DCCD1}">
-              <a14:hiddenFill xmlns:a14="http://schemas.microsoft.com/office/drawing/2010/main">
+              <a14:hiddenFill xmlns:a14="http://schemas.microsoft.com/office/drawing/2010/main" xmlns="">
                 <a:solidFill>
                   <a:srgbClr val="FFFFFF"/>
                 </a:solidFill>
@@ -6790,7 +6914,7 @@
           <p:cNvPr id="2" name="Нижний колонтитул 1">
             <a:extLst>
               <a:ext uri="{FF2B5EF4-FFF2-40B4-BE49-F238E27FC236}">
-                <a16:creationId xmlns:a16="http://schemas.microsoft.com/office/drawing/2014/main" id="{819E844F-D57D-78DF-0853-ED5A8A40313A}"/>
+                <a16:creationId xmlns:a16="http://schemas.microsoft.com/office/drawing/2014/main" xmlns="" id="{819E844F-D57D-78DF-0853-ED5A8A40313A}"/>
               </a:ext>
             </a:extLst>
           </p:cNvPr>
@@ -6815,7 +6939,7 @@
           <p:cNvPr id="3" name="Номер слайда 2">
             <a:extLst>
               <a:ext uri="{FF2B5EF4-FFF2-40B4-BE49-F238E27FC236}">
-                <a16:creationId xmlns:a16="http://schemas.microsoft.com/office/drawing/2014/main" id="{932F159D-3744-A907-9387-7E9D0BCE092E}"/>
+                <a16:creationId xmlns:a16="http://schemas.microsoft.com/office/drawing/2014/main" xmlns="" id="{932F159D-3744-A907-9387-7E9D0BCE092E}"/>
               </a:ext>
             </a:extLst>
           </p:cNvPr>
@@ -6840,10 +6964,57 @@
           </a:p>
         </p:txBody>
       </p:sp>
+      <p:sp>
+        <p:nvSpPr>
+          <p:cNvPr id="5" name="Управляющая кнопка: домой 4">
+            <a:hlinkClick r:id="rId3" action="ppaction://hlinksldjump" highlightClick="1"/>
+          </p:cNvPr>
+          <p:cNvSpPr/>
+          <p:nvPr/>
+        </p:nvSpPr>
+        <p:spPr>
+          <a:xfrm>
+            <a:off x="336332" y="5927835"/>
+            <a:ext cx="515007" cy="536027"/>
+          </a:xfrm>
+          <a:prstGeom prst="actionButtonHome">
+            <a:avLst/>
+          </a:prstGeom>
+          <a:ln>
+            <a:solidFill>
+              <a:schemeClr val="tx1"/>
+            </a:solidFill>
+          </a:ln>
+        </p:spPr>
+        <p:style>
+          <a:lnRef idx="2">
+            <a:schemeClr val="accent1">
+              <a:shade val="50000"/>
+            </a:schemeClr>
+          </a:lnRef>
+          <a:fillRef idx="1">
+            <a:schemeClr val="accent1"/>
+          </a:fillRef>
+          <a:effectRef idx="0">
+            <a:schemeClr val="accent1"/>
+          </a:effectRef>
+          <a:fontRef idx="minor">
+            <a:schemeClr val="lt1"/>
+          </a:fontRef>
+        </p:style>
+        <p:txBody>
+          <a:bodyPr rtlCol="0" anchor="ctr"/>
+          <a:lstStyle/>
+          <a:p>
+            <a:pPr algn="ctr"/>
+            <a:endParaRPr lang="en-US"/>
+          </a:p>
+        </p:txBody>
+      </p:sp>
     </p:spTree>
     <p:extLst>
       <p:ext uri="{BB962C8B-B14F-4D97-AF65-F5344CB8AC3E}">
-        <p14:creationId xmlns:p14="http://schemas.microsoft.com/office/powerpoint/2010/main" val="3179380606"/>
+        <p14:creationId xmlns:p14="http://schemas.microsoft.com/office/powerpoint/2010/main" xmlns="" val="3179380606"/>
       </p:ext>
     </p:extLst>
   </p:cSld>
@@ -6875,7 +7046,7 @@
           <p:cNvPr id="2" name="Заголовок 1">
             <a:extLst>
               <a:ext uri="{FF2B5EF4-FFF2-40B4-BE49-F238E27FC236}">
-                <a16:creationId xmlns:a16="http://schemas.microsoft.com/office/drawing/2014/main" id="{39AC6FE8-3C8E-8C6C-D230-B5E62A3E52AE}"/>
+                <a16:creationId xmlns:a16="http://schemas.microsoft.com/office/drawing/2014/main" xmlns="" id="{39AC6FE8-3C8E-8C6C-D230-B5E62A3E52AE}"/>
               </a:ext>
             </a:extLst>
           </p:cNvPr>
@@ -6909,7 +7080,7 @@
           <p:cNvPr id="4" name="Объект 3">
             <a:extLst>
               <a:ext uri="{FF2B5EF4-FFF2-40B4-BE49-F238E27FC236}">
-                <a16:creationId xmlns:a16="http://schemas.microsoft.com/office/drawing/2014/main" id="{7FD61D66-1DC4-D740-B5BA-E57D4AE35900}"/>
+                <a16:creationId xmlns:a16="http://schemas.microsoft.com/office/drawing/2014/main" xmlns="" id="{7FD61D66-1DC4-D740-B5BA-E57D4AE35900}"/>
               </a:ext>
             </a:extLst>
           </p:cNvPr>
@@ -7116,7 +7287,7 @@
           <p:cNvPr id="11266" name="Picture 2" descr="Есть ли польза от антивируса? | Записки сисадмина | Яндекс Дзен">
             <a:extLst>
               <a:ext uri="{FF2B5EF4-FFF2-40B4-BE49-F238E27FC236}">
-                <a16:creationId xmlns:a16="http://schemas.microsoft.com/office/drawing/2014/main" id="{C309D580-05C0-EDAB-E833-B590B27F44B2}"/>
+                <a16:creationId xmlns:a16="http://schemas.microsoft.com/office/drawing/2014/main" xmlns="" id="{C309D580-05C0-EDAB-E833-B590B27F44B2}"/>
               </a:ext>
             </a:extLst>
           </p:cNvPr>
@@ -7131,7 +7302,7 @@
           <a:blip r:embed="rId2">
             <a:extLst>
               <a:ext uri="{28A0092B-C50C-407E-A947-70E740481C1C}">
-                <a14:useLocalDpi xmlns:a14="http://schemas.microsoft.com/office/drawing/2010/main" val="0"/>
+                <a14:useLocalDpi xmlns:a14="http://schemas.microsoft.com/office/drawing/2010/main" xmlns="" val="0"/>
               </a:ext>
             </a:extLst>
           </a:blip>
@@ -7142,7 +7313,7 @@
         </p:blipFill>
         <p:spPr bwMode="auto">
           <a:xfrm>
-            <a:off x="6251944" y="2328531"/>
+            <a:off x="5842041" y="2202407"/>
             <a:ext cx="5241851" cy="3462670"/>
           </a:xfrm>
           <a:prstGeom prst="rect">
@@ -7151,7 +7322,7 @@
           <a:noFill/>
           <a:extLst>
             <a:ext uri="{909E8E84-426E-40DD-AFC4-6F175D3DCCD1}">
-              <a14:hiddenFill xmlns:a14="http://schemas.microsoft.com/office/drawing/2010/main">
+              <a14:hiddenFill xmlns:a14="http://schemas.microsoft.com/office/drawing/2010/main" xmlns="">
                 <a:solidFill>
                   <a:srgbClr val="FFFFFF"/>
                 </a:solidFill>
@@ -7165,7 +7336,7 @@
           <p:cNvPr id="7" name="Нижний колонтитул 6">
             <a:extLst>
               <a:ext uri="{FF2B5EF4-FFF2-40B4-BE49-F238E27FC236}">
-                <a16:creationId xmlns:a16="http://schemas.microsoft.com/office/drawing/2014/main" id="{B9008AB6-C3C9-8D35-9C82-1947C0CE4F9B}"/>
+                <a16:creationId xmlns:a16="http://schemas.microsoft.com/office/drawing/2014/main" xmlns="" id="{B9008AB6-C3C9-8D35-9C82-1947C0CE4F9B}"/>
               </a:ext>
             </a:extLst>
           </p:cNvPr>
@@ -7190,7 +7361,7 @@
           <p:cNvPr id="8" name="Номер слайда 7">
             <a:extLst>
               <a:ext uri="{FF2B5EF4-FFF2-40B4-BE49-F238E27FC236}">
-                <a16:creationId xmlns:a16="http://schemas.microsoft.com/office/drawing/2014/main" id="{F671EB2A-20AF-7834-DFDC-7C7CC489C1F6}"/>
+                <a16:creationId xmlns:a16="http://schemas.microsoft.com/office/drawing/2014/main" xmlns="" id="{F671EB2A-20AF-7834-DFDC-7C7CC489C1F6}"/>
               </a:ext>
             </a:extLst>
           </p:cNvPr>
@@ -7215,10 +7386,57 @@
           </a:p>
         </p:txBody>
       </p:sp>
+      <p:sp>
+        <p:nvSpPr>
+          <p:cNvPr id="9" name="Управляющая кнопка: домой 8">
+            <a:hlinkClick r:id="rId3" action="ppaction://hlinksldjump" highlightClick="1"/>
+          </p:cNvPr>
+          <p:cNvSpPr/>
+          <p:nvPr/>
+        </p:nvSpPr>
+        <p:spPr>
+          <a:xfrm>
+            <a:off x="336332" y="5927835"/>
+            <a:ext cx="515007" cy="536027"/>
+          </a:xfrm>
+          <a:prstGeom prst="actionButtonHome">
+            <a:avLst/>
+          </a:prstGeom>
+          <a:ln>
+            <a:solidFill>
+              <a:schemeClr val="tx1"/>
+            </a:solidFill>
+          </a:ln>
+        </p:spPr>
+        <p:style>
+          <a:lnRef idx="2">
+            <a:schemeClr val="accent1">
+              <a:shade val="50000"/>
+            </a:schemeClr>
+          </a:lnRef>
+          <a:fillRef idx="1">
+            <a:schemeClr val="accent1"/>
+          </a:fillRef>
+          <a:effectRef idx="0">
+            <a:schemeClr val="accent1"/>
+          </a:effectRef>
+          <a:fontRef idx="minor">
+            <a:schemeClr val="lt1"/>
+          </a:fontRef>
+        </p:style>
+        <p:txBody>
+          <a:bodyPr rtlCol="0" anchor="ctr"/>
+          <a:lstStyle/>
+          <a:p>
+            <a:pPr algn="ctr"/>
+            <a:endParaRPr lang="en-US"/>
+          </a:p>
+        </p:txBody>
+      </p:sp>
     </p:spTree>
     <p:extLst>
       <p:ext uri="{BB962C8B-B14F-4D97-AF65-F5344CB8AC3E}">
-        <p14:creationId xmlns:p14="http://schemas.microsoft.com/office/powerpoint/2010/main" val="191029128"/>
+        <p14:creationId xmlns:p14="http://schemas.microsoft.com/office/powerpoint/2010/main" xmlns="" val="191029128"/>
       </p:ext>
     </p:extLst>
   </p:cSld>
@@ -7250,7 +7468,7 @@
           <p:cNvPr id="12290" name="Picture 2" descr="5 лучших антивирусов для Windows - Лайфхакер">
             <a:extLst>
               <a:ext uri="{FF2B5EF4-FFF2-40B4-BE49-F238E27FC236}">
-                <a16:creationId xmlns:a16="http://schemas.microsoft.com/office/drawing/2014/main" id="{8C874071-12D7-6A4F-1302-A3CBC906E7C3}"/>
+                <a16:creationId xmlns:a16="http://schemas.microsoft.com/office/drawing/2014/main" xmlns="" id="{8C874071-12D7-6A4F-1302-A3CBC906E7C3}"/>
               </a:ext>
             </a:extLst>
           </p:cNvPr>
@@ -7263,7 +7481,7 @@
           <a:blip r:embed="rId2">
             <a:extLst>
               <a:ext uri="{28A0092B-C50C-407E-A947-70E740481C1C}">
-                <a14:useLocalDpi xmlns:a14="http://schemas.microsoft.com/office/drawing/2010/main" val="0"/>
+                <a14:useLocalDpi xmlns:a14="http://schemas.microsoft.com/office/drawing/2010/main" xmlns="" val="0"/>
               </a:ext>
             </a:extLst>
           </a:blip>
@@ -7283,7 +7501,7 @@
           <a:noFill/>
           <a:extLst>
             <a:ext uri="{909E8E84-426E-40DD-AFC4-6F175D3DCCD1}">
-              <a14:hiddenFill xmlns:a14="http://schemas.microsoft.com/office/drawing/2010/main">
+              <a14:hiddenFill xmlns:a14="http://schemas.microsoft.com/office/drawing/2010/main" xmlns="">
                 <a:solidFill>
                   <a:srgbClr val="FFFFFF"/>
                 </a:solidFill>
@@ -7297,7 +7515,7 @@
           <p:cNvPr id="2" name="Нижний колонтитул 1">
             <a:extLst>
               <a:ext uri="{FF2B5EF4-FFF2-40B4-BE49-F238E27FC236}">
-                <a16:creationId xmlns:a16="http://schemas.microsoft.com/office/drawing/2014/main" id="{833EA493-32B3-2F74-5C6B-4BA9BA709ABA}"/>
+                <a16:creationId xmlns:a16="http://schemas.microsoft.com/office/drawing/2014/main" xmlns="" id="{833EA493-32B3-2F74-5C6B-4BA9BA709ABA}"/>
               </a:ext>
             </a:extLst>
           </p:cNvPr>
@@ -7322,7 +7540,7 @@
           <p:cNvPr id="3" name="Номер слайда 2">
             <a:extLst>
               <a:ext uri="{FF2B5EF4-FFF2-40B4-BE49-F238E27FC236}">
-                <a16:creationId xmlns:a16="http://schemas.microsoft.com/office/drawing/2014/main" id="{6656FF33-A248-CAD8-F8A6-537F5F5C4D03}"/>
+                <a16:creationId xmlns:a16="http://schemas.microsoft.com/office/drawing/2014/main" xmlns="" id="{6656FF33-A248-CAD8-F8A6-537F5F5C4D03}"/>
               </a:ext>
             </a:extLst>
           </p:cNvPr>
@@ -7347,10 +7565,57 @@
           </a:p>
         </p:txBody>
       </p:sp>
+      <p:sp>
+        <p:nvSpPr>
+          <p:cNvPr id="5" name="Управляющая кнопка: домой 4">
+            <a:hlinkClick r:id="rId3" action="ppaction://hlinksldjump" highlightClick="1"/>
+          </p:cNvPr>
+          <p:cNvSpPr/>
+          <p:nvPr/>
+        </p:nvSpPr>
+        <p:spPr>
+          <a:xfrm>
+            <a:off x="336332" y="5927835"/>
+            <a:ext cx="515007" cy="536027"/>
+          </a:xfrm>
+          <a:prstGeom prst="actionButtonHome">
+            <a:avLst/>
+          </a:prstGeom>
+          <a:ln>
+            <a:solidFill>
+              <a:schemeClr val="tx1"/>
+            </a:solidFill>
+          </a:ln>
+        </p:spPr>
+        <p:style>
+          <a:lnRef idx="2">
+            <a:schemeClr val="accent1">
+              <a:shade val="50000"/>
+            </a:schemeClr>
+          </a:lnRef>
+          <a:fillRef idx="1">
+            <a:schemeClr val="accent1"/>
+          </a:fillRef>
+          <a:effectRef idx="0">
+            <a:schemeClr val="accent1"/>
+          </a:effectRef>
+          <a:fontRef idx="minor">
+            <a:schemeClr val="lt1"/>
+          </a:fontRef>
+        </p:style>
+        <p:txBody>
+          <a:bodyPr rtlCol="0" anchor="ctr"/>
+          <a:lstStyle/>
+          <a:p>
+            <a:pPr algn="ctr"/>
+            <a:endParaRPr lang="en-US"/>
+          </a:p>
+        </p:txBody>
+      </p:sp>
     </p:spTree>
     <p:extLst>
       <p:ext uri="{BB962C8B-B14F-4D97-AF65-F5344CB8AC3E}">
-        <p14:creationId xmlns:p14="http://schemas.microsoft.com/office/powerpoint/2010/main" val="2737570484"/>
+        <p14:creationId xmlns:p14="http://schemas.microsoft.com/office/powerpoint/2010/main" xmlns="" val="2737570484"/>
       </p:ext>
     </p:extLst>
   </p:cSld>
@@ -7379,10 +7644,410 @@
       </p:grpSpPr>
       <p:sp>
         <p:nvSpPr>
+          <p:cNvPr id="4" name="Заголовок 3"/>
+          <p:cNvSpPr>
+            <a:spLocks noGrp="1"/>
+          </p:cNvSpPr>
+          <p:nvPr>
+            <p:ph type="title"/>
+          </p:nvPr>
+        </p:nvSpPr>
+        <p:spPr>
+          <a:xfrm>
+            <a:off x="2192447" y="420414"/>
+            <a:ext cx="7056656" cy="977462"/>
+          </a:xfrm>
+        </p:spPr>
+        <p:txBody>
+          <a:bodyPr/>
+          <a:lstStyle/>
+          <a:p>
+            <a:pPr algn="ctr"/>
+            <a:r>
+              <a:rPr lang="ru-RU" dirty="0" err="1" smtClean="0">
+                <a:latin typeface="Times New Roman" pitchFamily="18" charset="0"/>
+                <a:cs typeface="Times New Roman" pitchFamily="18" charset="0"/>
+              </a:rPr>
+              <a:t>БиблиограФИЯ</a:t>
+            </a:r>
+            <a:endParaRPr lang="en-US" dirty="0">
+              <a:latin typeface="Times New Roman" pitchFamily="18" charset="0"/>
+              <a:cs typeface="Times New Roman" pitchFamily="18" charset="0"/>
+            </a:endParaRPr>
+          </a:p>
+        </p:txBody>
+      </p:sp>
+      <p:sp>
+        <p:nvSpPr>
+          <p:cNvPr id="5" name="Содержимое 4"/>
+          <p:cNvSpPr>
+            <a:spLocks noGrp="1"/>
+          </p:cNvSpPr>
+          <p:nvPr>
+            <p:ph idx="1"/>
+          </p:nvPr>
+        </p:nvSpPr>
+        <p:spPr>
+          <a:xfrm>
+            <a:off x="1141413" y="1996966"/>
+            <a:ext cx="9905998" cy="3794235"/>
+          </a:xfrm>
+        </p:spPr>
+        <p:txBody>
+          <a:bodyPr>
+            <a:normAutofit fontScale="70000" lnSpcReduction="20000"/>
+          </a:bodyPr>
+          <a:lstStyle/>
+          <a:p>
+            <a:pPr lvl="0"/>
+            <a:r>
+              <a:rPr lang="ru-RU" cap="all" dirty="0" smtClean="0">
+                <a:latin typeface="Times New Roman" pitchFamily="18" charset="0"/>
+                <a:cs typeface="Times New Roman" pitchFamily="18" charset="0"/>
+              </a:rPr>
+              <a:t>Как работает антивирусное обеспечение [</a:t>
+            </a:r>
+            <a:r>
+              <a:rPr lang="en-US" cap="all" dirty="0" smtClean="0">
+                <a:latin typeface="Times New Roman" pitchFamily="18" charset="0"/>
+                <a:cs typeface="Times New Roman" pitchFamily="18" charset="0"/>
+              </a:rPr>
+              <a:t>online</a:t>
+            </a:r>
+            <a:r>
+              <a:rPr lang="ru-RU" cap="all" dirty="0" smtClean="0">
+                <a:latin typeface="Times New Roman" pitchFamily="18" charset="0"/>
+                <a:cs typeface="Times New Roman" pitchFamily="18" charset="0"/>
+              </a:rPr>
+              <a:t>][посещен 13.05.22]</a:t>
+            </a:r>
+            <a:endParaRPr lang="en-US" b="1" cap="all" dirty="0" smtClean="0">
+              <a:latin typeface="Times New Roman" pitchFamily="18" charset="0"/>
+              <a:cs typeface="Times New Roman" pitchFamily="18" charset="0"/>
+            </a:endParaRPr>
+          </a:p>
+          <a:p>
+            <a:r>
+              <a:rPr lang="ru-RU" u="sng" cap="all" dirty="0" smtClean="0">
+                <a:latin typeface="Times New Roman" pitchFamily="18" charset="0"/>
+                <a:cs typeface="Times New Roman" pitchFamily="18" charset="0"/>
+                <a:hlinkClick r:id="rId2"/>
+              </a:rPr>
+              <a:t>https://guidepc.ru/articles/kak-rabotaet-antivirusnoe-programmnoe-obespechenie/</a:t>
+            </a:r>
+            <a:endParaRPr lang="en-US" b="1" cap="all" dirty="0" smtClean="0">
+              <a:latin typeface="Times New Roman" pitchFamily="18" charset="0"/>
+              <a:cs typeface="Times New Roman" pitchFamily="18" charset="0"/>
+            </a:endParaRPr>
+          </a:p>
+          <a:p>
+            <a:pPr lvl="0"/>
+            <a:r>
+              <a:rPr lang="en-US" cap="all" dirty="0" smtClean="0">
+                <a:latin typeface="Times New Roman" pitchFamily="18" charset="0"/>
+                <a:cs typeface="Times New Roman" pitchFamily="18" charset="0"/>
+              </a:rPr>
+              <a:t>Wikipedia</a:t>
+            </a:r>
+            <a:r>
+              <a:rPr lang="ru-RU" cap="all" dirty="0" smtClean="0">
+                <a:latin typeface="Times New Roman" pitchFamily="18" charset="0"/>
+                <a:cs typeface="Times New Roman" pitchFamily="18" charset="0"/>
+              </a:rPr>
+              <a:t>. Антивирусная программа[</a:t>
+            </a:r>
+            <a:r>
+              <a:rPr lang="en-US" cap="all" dirty="0" smtClean="0">
+                <a:latin typeface="Times New Roman" pitchFamily="18" charset="0"/>
+                <a:cs typeface="Times New Roman" pitchFamily="18" charset="0"/>
+              </a:rPr>
+              <a:t>online</a:t>
+            </a:r>
+            <a:r>
+              <a:rPr lang="ru-RU" cap="all" dirty="0" smtClean="0">
+                <a:latin typeface="Times New Roman" pitchFamily="18" charset="0"/>
+                <a:cs typeface="Times New Roman" pitchFamily="18" charset="0"/>
+              </a:rPr>
+              <a:t>] [посещен 13.05.22]</a:t>
+            </a:r>
+            <a:endParaRPr lang="en-US" b="1" cap="all" dirty="0" smtClean="0">
+              <a:latin typeface="Times New Roman" pitchFamily="18" charset="0"/>
+              <a:cs typeface="Times New Roman" pitchFamily="18" charset="0"/>
+            </a:endParaRPr>
+          </a:p>
+          <a:p>
+            <a:r>
+              <a:rPr lang="ru-RU" u="sng" cap="all" dirty="0" smtClean="0">
+                <a:latin typeface="Times New Roman" pitchFamily="18" charset="0"/>
+                <a:cs typeface="Times New Roman" pitchFamily="18" charset="0"/>
+                <a:hlinkClick r:id="rId3"/>
+              </a:rPr>
+              <a:t>https://ru.wikipedia.org/wiki/%D0%90%D0%BD%D1%82%D0%B8%D0%B2%D0%B8%D1%80%D1%83%D1%81%D0%BD%D0%B0%D1%8F_%D0%BF%D1%80%D0%BE%D0%B3%D1%8</a:t>
+            </a:r>
+            <a:endParaRPr lang="en-US" b="1" cap="all" dirty="0" smtClean="0">
+              <a:latin typeface="Times New Roman" pitchFamily="18" charset="0"/>
+              <a:cs typeface="Times New Roman" pitchFamily="18" charset="0"/>
+            </a:endParaRPr>
+          </a:p>
+          <a:p>
+            <a:pPr lvl="0"/>
+            <a:r>
+              <a:rPr lang="ru-RU" cap="all" dirty="0" smtClean="0">
+                <a:latin typeface="Times New Roman" pitchFamily="18" charset="0"/>
+                <a:cs typeface="Times New Roman" pitchFamily="18" charset="0"/>
+              </a:rPr>
+              <a:t>Виды антивирусов [</a:t>
+            </a:r>
+            <a:r>
+              <a:rPr lang="en-US" cap="all" dirty="0" smtClean="0">
+                <a:latin typeface="Times New Roman" pitchFamily="18" charset="0"/>
+                <a:cs typeface="Times New Roman" pitchFamily="18" charset="0"/>
+              </a:rPr>
+              <a:t>online</a:t>
+            </a:r>
+            <a:r>
+              <a:rPr lang="ru-RU" cap="all" dirty="0" smtClean="0">
+                <a:latin typeface="Times New Roman" pitchFamily="18" charset="0"/>
+                <a:cs typeface="Times New Roman" pitchFamily="18" charset="0"/>
+              </a:rPr>
+              <a:t>] ][посещен 15.05.22]</a:t>
+            </a:r>
+            <a:endParaRPr lang="en-US" b="1" cap="all" dirty="0" smtClean="0">
+              <a:latin typeface="Times New Roman" pitchFamily="18" charset="0"/>
+              <a:cs typeface="Times New Roman" pitchFamily="18" charset="0"/>
+            </a:endParaRPr>
+          </a:p>
+          <a:p>
+            <a:r>
+              <a:rPr lang="ru-RU" u="sng" cap="all" dirty="0" smtClean="0">
+                <a:latin typeface="Times New Roman" pitchFamily="18" charset="0"/>
+                <a:cs typeface="Times New Roman" pitchFamily="18" charset="0"/>
+                <a:hlinkClick r:id="rId4"/>
+              </a:rPr>
+              <a:t>http://pc-information-guide.ru/bezopasnost/vidy-antivirusov-dejstvitelno-li-on-neobxodim-etot-antivirus.html</a:t>
+            </a:r>
+            <a:endParaRPr lang="en-US" b="1" cap="all" dirty="0" smtClean="0">
+              <a:latin typeface="Times New Roman" pitchFamily="18" charset="0"/>
+              <a:cs typeface="Times New Roman" pitchFamily="18" charset="0"/>
+            </a:endParaRPr>
+          </a:p>
+          <a:p>
+            <a:pPr lvl="0"/>
+            <a:r>
+              <a:rPr lang="ru-RU" cap="all" dirty="0" smtClean="0">
+                <a:latin typeface="Times New Roman" pitchFamily="18" charset="0"/>
+                <a:cs typeface="Times New Roman" pitchFamily="18" charset="0"/>
+              </a:rPr>
+              <a:t>Виды вирусов [</a:t>
+            </a:r>
+            <a:r>
+              <a:rPr lang="en-US" cap="all" dirty="0" smtClean="0">
+                <a:latin typeface="Times New Roman" pitchFamily="18" charset="0"/>
+                <a:cs typeface="Times New Roman" pitchFamily="18" charset="0"/>
+              </a:rPr>
+              <a:t>online</a:t>
+            </a:r>
+            <a:r>
+              <a:rPr lang="ru-RU" cap="all" dirty="0" smtClean="0">
+                <a:latin typeface="Times New Roman" pitchFamily="18" charset="0"/>
+                <a:cs typeface="Times New Roman" pitchFamily="18" charset="0"/>
+              </a:rPr>
+              <a:t>] ][посещен 21.05.22]</a:t>
+            </a:r>
+            <a:endParaRPr lang="en-US" b="1" cap="all" dirty="0" smtClean="0">
+              <a:latin typeface="Times New Roman" pitchFamily="18" charset="0"/>
+              <a:cs typeface="Times New Roman" pitchFamily="18" charset="0"/>
+            </a:endParaRPr>
+          </a:p>
+          <a:p>
+            <a:r>
+              <a:rPr lang="ru-RU" u="sng" cap="all" dirty="0" smtClean="0">
+                <a:latin typeface="Times New Roman" pitchFamily="18" charset="0"/>
+                <a:cs typeface="Times New Roman" pitchFamily="18" charset="0"/>
+                <a:hlinkClick r:id="rId5"/>
+              </a:rPr>
+              <a:t>https://ru.wikipedia.org/wiki/%D0%92%D0%B8%D1%80%D1%83%D1%81%D1%8B</a:t>
+            </a:r>
+            <a:endParaRPr lang="en-US" b="1" cap="all" dirty="0" smtClean="0">
+              <a:latin typeface="Times New Roman" pitchFamily="18" charset="0"/>
+              <a:cs typeface="Times New Roman" pitchFamily="18" charset="0"/>
+            </a:endParaRPr>
+          </a:p>
+          <a:p>
+            <a:pPr lvl="0"/>
+            <a:r>
+              <a:rPr lang="ru-RU" cap="all" dirty="0" smtClean="0">
+                <a:latin typeface="Times New Roman" pitchFamily="18" charset="0"/>
+                <a:cs typeface="Times New Roman" pitchFamily="18" charset="0"/>
+              </a:rPr>
+              <a:t>Меры защиты от вирусов [</a:t>
+            </a:r>
+            <a:r>
+              <a:rPr lang="en-US" cap="all" dirty="0" smtClean="0">
+                <a:latin typeface="Times New Roman" pitchFamily="18" charset="0"/>
+                <a:cs typeface="Times New Roman" pitchFamily="18" charset="0"/>
+              </a:rPr>
+              <a:t>online</a:t>
+            </a:r>
+            <a:r>
+              <a:rPr lang="ru-RU" cap="all" dirty="0" smtClean="0">
+                <a:latin typeface="Times New Roman" pitchFamily="18" charset="0"/>
+                <a:cs typeface="Times New Roman" pitchFamily="18" charset="0"/>
+              </a:rPr>
+              <a:t>] ][посещен 21.05.22]</a:t>
+            </a:r>
+            <a:endParaRPr lang="en-US" b="1" cap="all" dirty="0" smtClean="0">
+              <a:latin typeface="Times New Roman" pitchFamily="18" charset="0"/>
+              <a:cs typeface="Times New Roman" pitchFamily="18" charset="0"/>
+            </a:endParaRPr>
+          </a:p>
+          <a:p>
+            <a:r>
+              <a:rPr lang="ru-RU" u="sng" cap="all" dirty="0" smtClean="0">
+                <a:latin typeface="Times New Roman" pitchFamily="18" charset="0"/>
+                <a:cs typeface="Times New Roman" pitchFamily="18" charset="0"/>
+                <a:hlinkClick r:id="rId6"/>
+              </a:rPr>
+              <a:t>https://support.microsoft.com/ru-ru/windows/%D0%B7%D0%B</a:t>
+            </a:r>
+            <a:endParaRPr lang="en-US" b="1" cap="all" dirty="0" smtClean="0">
+              <a:latin typeface="Times New Roman" pitchFamily="18" charset="0"/>
+              <a:cs typeface="Times New Roman" pitchFamily="18" charset="0"/>
+            </a:endParaRPr>
+          </a:p>
+          <a:p>
+            <a:endParaRPr lang="en-US" dirty="0"/>
+          </a:p>
+        </p:txBody>
+      </p:sp>
+      <p:sp>
+        <p:nvSpPr>
+          <p:cNvPr id="2" name="Нижний колонтитул 1"/>
+          <p:cNvSpPr>
+            <a:spLocks noGrp="1"/>
+          </p:cNvSpPr>
+          <p:nvPr>
+            <p:ph type="ftr" sz="quarter" idx="11"/>
+          </p:nvPr>
+        </p:nvSpPr>
+        <p:spPr/>
+        <p:txBody>
+          <a:bodyPr/>
+          <a:lstStyle/>
+          <a:p>
+            <a:endParaRPr lang="en-US" dirty="0"/>
+          </a:p>
+        </p:txBody>
+      </p:sp>
+      <p:sp>
+        <p:nvSpPr>
+          <p:cNvPr id="3" name="Номер слайда 2"/>
+          <p:cNvSpPr>
+            <a:spLocks noGrp="1"/>
+          </p:cNvSpPr>
+          <p:nvPr>
+            <p:ph type="sldNum" sz="quarter" idx="12"/>
+          </p:nvPr>
+        </p:nvSpPr>
+        <p:spPr/>
+        <p:txBody>
+          <a:bodyPr/>
+          <a:lstStyle/>
+          <a:p>
+            <a:fld id="{D57F1E4F-1CFF-5643-939E-217C01CDF565}" type="slidenum">
+              <a:rPr lang="en-US" smtClean="0"/>
+              <a:pPr/>
+              <a:t>15</a:t>
+            </a:fld>
+            <a:endParaRPr lang="en-US" dirty="0"/>
+          </a:p>
+        </p:txBody>
+      </p:sp>
+      <p:sp>
+        <p:nvSpPr>
+          <p:cNvPr id="6" name="Управляющая кнопка: домой 5">
+            <a:hlinkClick r:id="rId7" action="ppaction://hlinksldjump" highlightClick="1"/>
+          </p:cNvPr>
+          <p:cNvSpPr/>
+          <p:nvPr/>
+        </p:nvSpPr>
+        <p:spPr>
+          <a:xfrm>
+            <a:off x="336332" y="5927835"/>
+            <a:ext cx="515007" cy="536027"/>
+          </a:xfrm>
+          <a:prstGeom prst="actionButtonHome">
+            <a:avLst/>
+          </a:prstGeom>
+          <a:ln>
+            <a:solidFill>
+              <a:schemeClr val="tx1"/>
+            </a:solidFill>
+          </a:ln>
+        </p:spPr>
+        <p:style>
+          <a:lnRef idx="2">
+            <a:schemeClr val="accent1">
+              <a:shade val="50000"/>
+            </a:schemeClr>
+          </a:lnRef>
+          <a:fillRef idx="1">
+            <a:schemeClr val="accent1"/>
+          </a:fillRef>
+          <a:effectRef idx="0">
+            <a:schemeClr val="accent1"/>
+          </a:effectRef>
+          <a:fontRef idx="minor">
+            <a:schemeClr val="lt1"/>
+          </a:fontRef>
+        </p:style>
+        <p:txBody>
+          <a:bodyPr rtlCol="0" anchor="ctr"/>
+          <a:lstStyle/>
+          <a:p>
+            <a:pPr algn="ctr"/>
+            <a:endParaRPr lang="en-US"/>
+          </a:p>
+        </p:txBody>
+      </p:sp>
+    </p:spTree>
+  </p:cSld>
+  <p:clrMapOvr>
+    <a:masterClrMapping/>
+  </p:clrMapOvr>
+  <p:timing>
+    <p:tnLst>
+      <p:par>
+        <p:cTn id="1" dur="indefinite" restart="never" nodeType="tmRoot"/>
+      </p:par>
+    </p:tnLst>
+  </p:timing>
+</p:sld>
+</file>
+
+<file path=ppt/slides/slide16.xml><?xml version="1.0" encoding="utf-8"?>
+<p:sld xmlns:a="http://schemas.openxmlformats.org/drawingml/2006/main" xmlns:r="http://schemas.openxmlformats.org/officeDocument/2006/relationships" xmlns:p="http://schemas.openxmlformats.org/presentationml/2006/main">
+  <p:cSld>
+    <p:spTree>
+      <p:nvGrpSpPr>
+        <p:cNvPr id="1" name=""/>
+        <p:cNvGrpSpPr/>
+        <p:nvPr/>
+      </p:nvGrpSpPr>
+      <p:grpSpPr>
+        <a:xfrm>
+          <a:off x="0" y="0"/>
+          <a:ext cx="0" cy="0"/>
+          <a:chOff x="0" y="0"/>
+          <a:chExt cx="0" cy="0"/>
+        </a:xfrm>
+      </p:grpSpPr>
+      <p:sp>
+        <p:nvSpPr>
           <p:cNvPr id="2" name="Заголовок 1">
             <a:extLst>
               <a:ext uri="{FF2B5EF4-FFF2-40B4-BE49-F238E27FC236}">
-                <a16:creationId xmlns:a16="http://schemas.microsoft.com/office/drawing/2014/main" id="{A5D72E66-3A80-E959-39B6-A7A439B6013E}"/>
+                <a16:creationId xmlns:a16="http://schemas.microsoft.com/office/drawing/2014/main" xmlns="" id="{A5D72E66-3A80-E959-39B6-A7A439B6013E}"/>
               </a:ext>
             </a:extLst>
           </p:cNvPr>
@@ -7421,7 +8086,7 @@
           <p:cNvPr id="3" name="Нижний колонтитул 2">
             <a:extLst>
               <a:ext uri="{FF2B5EF4-FFF2-40B4-BE49-F238E27FC236}">
-                <a16:creationId xmlns:a16="http://schemas.microsoft.com/office/drawing/2014/main" id="{8627C20F-4BFC-4269-65E4-7CA015AC34CE}"/>
+                <a16:creationId xmlns:a16="http://schemas.microsoft.com/office/drawing/2014/main" xmlns="" id="{8627C20F-4BFC-4269-65E4-7CA015AC34CE}"/>
               </a:ext>
             </a:extLst>
           </p:cNvPr>
@@ -7446,7 +8111,7 @@
           <p:cNvPr id="4" name="Номер слайда 3">
             <a:extLst>
               <a:ext uri="{FF2B5EF4-FFF2-40B4-BE49-F238E27FC236}">
-                <a16:creationId xmlns:a16="http://schemas.microsoft.com/office/drawing/2014/main" id="{4662E194-09A6-EE89-464B-DCC98435E3F7}"/>
+                <a16:creationId xmlns:a16="http://schemas.microsoft.com/office/drawing/2014/main" xmlns="" id="{4662E194-09A6-EE89-464B-DCC98435E3F7}"/>
               </a:ext>
             </a:extLst>
           </p:cNvPr>
@@ -7465,7 +8130,7 @@
             <a:fld id="{D57F1E4F-1CFF-5643-939E-217C01CDF565}" type="slidenum">
               <a:rPr lang="en-US" smtClean="0"/>
               <a:pPr/>
-              <a:t>15</a:t>
+              <a:t>16</a:t>
             </a:fld>
             <a:endParaRPr lang="en-US" dirty="0"/>
           </a:p>
@@ -7474,13 +8139,20 @@
     </p:spTree>
     <p:extLst>
       <p:ext uri="{BB962C8B-B14F-4D97-AF65-F5344CB8AC3E}">
-        <p14:creationId xmlns:p14="http://schemas.microsoft.com/office/powerpoint/2010/main" val="3804249394"/>
+        <p14:creationId xmlns:p14="http://schemas.microsoft.com/office/powerpoint/2010/main" xmlns="" val="3804249394"/>
       </p:ext>
     </p:extLst>
   </p:cSld>
   <p:clrMapOvr>
     <a:masterClrMapping/>
   </p:clrMapOvr>
+  <p:timing>
+    <p:tnLst>
+      <p:par>
+        <p:cTn id="1" dur="indefinite" restart="never" nodeType="tmRoot"/>
+      </p:par>
+    </p:tnLst>
+  </p:timing>
 </p:sld>
 </file>
 
@@ -7506,7 +8178,7 @@
           <p:cNvPr id="2" name="Заголовок 1">
             <a:extLst>
               <a:ext uri="{FF2B5EF4-FFF2-40B4-BE49-F238E27FC236}">
-                <a16:creationId xmlns:a16="http://schemas.microsoft.com/office/drawing/2014/main" id="{1861224A-484B-531F-FD33-541D47C269F7}"/>
+                <a16:creationId xmlns:a16="http://schemas.microsoft.com/office/drawing/2014/main" xmlns="" id="{1861224A-484B-531F-FD33-541D47C269F7}"/>
               </a:ext>
             </a:extLst>
           </p:cNvPr>
@@ -7544,7 +8216,7 @@
           <p:cNvPr id="3" name="Объект 2">
             <a:extLst>
               <a:ext uri="{FF2B5EF4-FFF2-40B4-BE49-F238E27FC236}">
-                <a16:creationId xmlns:a16="http://schemas.microsoft.com/office/drawing/2014/main" id="{6F26C2D1-507C-E38E-1AC7-4E3CC8BDFBA4}"/>
+                <a16:creationId xmlns:a16="http://schemas.microsoft.com/office/drawing/2014/main" xmlns="" id="{6F26C2D1-507C-E38E-1AC7-4E3CC8BDFBA4}"/>
               </a:ext>
             </a:extLst>
           </p:cNvPr>
@@ -7569,47 +8241,94 @@
           <a:p>
             <a:r>
               <a:rPr lang="ru-RU" sz="2400" dirty="0">
-                <a:latin typeface="Times New Roman" panose="02020603050405020304" pitchFamily="18" charset="0"/>
-                <a:cs typeface="Times New Roman" panose="02020603050405020304" pitchFamily="18" charset="0"/>
+                <a:latin typeface="Times New Roman" pitchFamily="18" charset="0"/>
+                <a:cs typeface="Times New Roman" pitchFamily="18" charset="0"/>
+                <a:hlinkClick r:id="rId2" action="ppaction://hlinksldjump"/>
               </a:rPr>
               <a:t>Понятие антивирусная программа</a:t>
             </a:r>
+            <a:endParaRPr lang="ru-RU" sz="2400" dirty="0">
+              <a:latin typeface="Times New Roman" pitchFamily="18" charset="0"/>
+              <a:cs typeface="Times New Roman" pitchFamily="18" charset="0"/>
+            </a:endParaRPr>
           </a:p>
           <a:p>
             <a:r>
               <a:rPr lang="ru-RU" sz="2400" dirty="0">
-                <a:latin typeface="Times New Roman" panose="02020603050405020304" pitchFamily="18" charset="0"/>
-                <a:cs typeface="Times New Roman" panose="02020603050405020304" pitchFamily="18" charset="0"/>
+                <a:latin typeface="Times New Roman" pitchFamily="18" charset="0"/>
+                <a:cs typeface="Times New Roman" pitchFamily="18" charset="0"/>
+                <a:hlinkClick r:id="rId3" action="ppaction://hlinksldjump"/>
               </a:rPr>
               <a:t>Первые антивирусы</a:t>
             </a:r>
+            <a:endParaRPr lang="ru-RU" sz="2400" dirty="0">
+              <a:latin typeface="Times New Roman" pitchFamily="18" charset="0"/>
+              <a:cs typeface="Times New Roman" pitchFamily="18" charset="0"/>
+            </a:endParaRPr>
           </a:p>
           <a:p>
             <a:r>
               <a:rPr lang="ru-RU" sz="2400" dirty="0">
-                <a:latin typeface="Times New Roman" panose="02020603050405020304" pitchFamily="18" charset="0"/>
-                <a:cs typeface="Times New Roman" panose="02020603050405020304" pitchFamily="18" charset="0"/>
+                <a:latin typeface="Times New Roman" pitchFamily="18" charset="0"/>
+                <a:cs typeface="Times New Roman" pitchFamily="18" charset="0"/>
+                <a:hlinkClick r:id="rId4" action="ppaction://hlinksldjump"/>
               </a:rPr>
               <a:t>Первые вирусы</a:t>
             </a:r>
+            <a:endParaRPr lang="ru-RU" sz="2400" dirty="0">
+              <a:latin typeface="Times New Roman" pitchFamily="18" charset="0"/>
+              <a:cs typeface="Times New Roman" pitchFamily="18" charset="0"/>
+            </a:endParaRPr>
           </a:p>
           <a:p>
             <a:r>
               <a:rPr lang="ru-RU" sz="2400" dirty="0">
-                <a:latin typeface="Times New Roman" panose="02020603050405020304" pitchFamily="18" charset="0"/>
-                <a:cs typeface="Times New Roman" panose="02020603050405020304" pitchFamily="18" charset="0"/>
+                <a:latin typeface="Times New Roman" pitchFamily="18" charset="0"/>
+                <a:cs typeface="Times New Roman" pitchFamily="18" charset="0"/>
+                <a:hlinkClick r:id="rId5" action="ppaction://hlinksldjump"/>
               </a:rPr>
               <a:t>Меры защиты от вирусов</a:t>
             </a:r>
+            <a:endParaRPr lang="ru-RU" sz="2400" dirty="0">
+              <a:latin typeface="Times New Roman" pitchFamily="18" charset="0"/>
+              <a:cs typeface="Times New Roman" pitchFamily="18" charset="0"/>
+            </a:endParaRPr>
           </a:p>
           <a:p>
             <a:r>
               <a:rPr lang="ru-RU" sz="2400" dirty="0">
-                <a:latin typeface="Times New Roman" panose="02020603050405020304" pitchFamily="18" charset="0"/>
-                <a:cs typeface="Times New Roman" panose="02020603050405020304" pitchFamily="18" charset="0"/>
-              </a:rPr>
-              <a:t>антивирусные программы</a:t>
-            </a:r>
+                <a:latin typeface="Times New Roman" pitchFamily="18" charset="0"/>
+                <a:cs typeface="Times New Roman" pitchFamily="18" charset="0"/>
+                <a:hlinkClick r:id="rId6" action="ppaction://hlinksldjump"/>
+              </a:rPr>
+              <a:t>антивирусные </a:t>
+            </a:r>
+            <a:r>
+              <a:rPr lang="ru-RU" sz="2400" dirty="0" smtClean="0">
+                <a:latin typeface="Times New Roman" pitchFamily="18" charset="0"/>
+                <a:cs typeface="Times New Roman" pitchFamily="18" charset="0"/>
+                <a:hlinkClick r:id="rId6" action="ppaction://hlinksldjump"/>
+              </a:rPr>
+              <a:t>программы</a:t>
+            </a:r>
+            <a:endParaRPr lang="ro-RO" sz="2400" dirty="0" smtClean="0">
+              <a:latin typeface="Times New Roman" pitchFamily="18" charset="0"/>
+              <a:cs typeface="Times New Roman" pitchFamily="18" charset="0"/>
+            </a:endParaRPr>
+          </a:p>
+          <a:p>
+            <a:r>
+              <a:rPr lang="ru-RU" sz="2400" dirty="0" smtClean="0">
+                <a:latin typeface="Times New Roman" pitchFamily="18" charset="0"/>
+                <a:cs typeface="Times New Roman" pitchFamily="18" charset="0"/>
+                <a:hlinkClick r:id="rId7" action="ppaction://hlinksldjump"/>
+              </a:rPr>
+              <a:t>Библиография</a:t>
+            </a:r>
+            <a:endParaRPr lang="ru-RU" sz="2400" dirty="0">
+              <a:latin typeface="Times New Roman" pitchFamily="18" charset="0"/>
+              <a:cs typeface="Times New Roman" pitchFamily="18" charset="0"/>
+            </a:endParaRPr>
           </a:p>
         </p:txBody>
       </p:sp>
@@ -7618,7 +8337,7 @@
           <p:cNvPr id="5" name="Нижний колонтитул 4">
             <a:extLst>
               <a:ext uri="{FF2B5EF4-FFF2-40B4-BE49-F238E27FC236}">
-                <a16:creationId xmlns:a16="http://schemas.microsoft.com/office/drawing/2014/main" id="{9CA918F4-2C6A-2CE4-2DB8-5F356FE7F2AB}"/>
+                <a16:creationId xmlns:a16="http://schemas.microsoft.com/office/drawing/2014/main" xmlns="" id="{9CA918F4-2C6A-2CE4-2DB8-5F356FE7F2AB}"/>
               </a:ext>
             </a:extLst>
           </p:cNvPr>
@@ -7643,7 +8362,7 @@
           <p:cNvPr id="6" name="Номер слайда 5">
             <a:extLst>
               <a:ext uri="{FF2B5EF4-FFF2-40B4-BE49-F238E27FC236}">
-                <a16:creationId xmlns:a16="http://schemas.microsoft.com/office/drawing/2014/main" id="{1E246F76-43AC-ACA9-FB64-A0DDEDE76AB0}"/>
+                <a16:creationId xmlns:a16="http://schemas.microsoft.com/office/drawing/2014/main" xmlns="" id="{1E246F76-43AC-ACA9-FB64-A0DDEDE76AB0}"/>
               </a:ext>
             </a:extLst>
           </p:cNvPr>
@@ -7671,13 +8390,20 @@
     </p:spTree>
     <p:extLst>
       <p:ext uri="{BB962C8B-B14F-4D97-AF65-F5344CB8AC3E}">
-        <p14:creationId xmlns:p14="http://schemas.microsoft.com/office/powerpoint/2010/main" val="2185386267"/>
+        <p14:creationId xmlns:p14="http://schemas.microsoft.com/office/powerpoint/2010/main" xmlns="" val="2185386267"/>
       </p:ext>
     </p:extLst>
   </p:cSld>
   <p:clrMapOvr>
     <a:masterClrMapping/>
   </p:clrMapOvr>
+  <p:timing>
+    <p:tnLst>
+      <p:par>
+        <p:cTn id="1" dur="indefinite" restart="never" nodeType="tmRoot"/>
+      </p:par>
+    </p:tnLst>
+  </p:timing>
 </p:sld>
 </file>
 
@@ -7703,7 +8429,7 @@
           <p:cNvPr id="2" name="Заголовок 1">
             <a:extLst>
               <a:ext uri="{FF2B5EF4-FFF2-40B4-BE49-F238E27FC236}">
-                <a16:creationId xmlns:a16="http://schemas.microsoft.com/office/drawing/2014/main" id="{713C15C3-8F58-A64C-EF87-C8DD95A7A948}"/>
+                <a16:creationId xmlns:a16="http://schemas.microsoft.com/office/drawing/2014/main" xmlns="" id="{713C15C3-8F58-A64C-EF87-C8DD95A7A948}"/>
               </a:ext>
             </a:extLst>
           </p:cNvPr>
@@ -7742,7 +8468,7 @@
           <p:cNvPr id="3" name="Объект 2">
             <a:extLst>
               <a:ext uri="{FF2B5EF4-FFF2-40B4-BE49-F238E27FC236}">
-                <a16:creationId xmlns:a16="http://schemas.microsoft.com/office/drawing/2014/main" id="{C2C6CC73-6C58-B5B9-8CEC-0867000846D3}"/>
+                <a16:creationId xmlns:a16="http://schemas.microsoft.com/office/drawing/2014/main" xmlns="" id="{C2C6CC73-6C58-B5B9-8CEC-0867000846D3}"/>
               </a:ext>
             </a:extLst>
           </p:cNvPr>
@@ -7845,7 +8571,7 @@
                 <a:hlinkClick r:id="rId2" tooltip="Вредоносная программа">
                   <a:extLst>
                     <a:ext uri="{A12FA001-AC4F-418D-AE19-62706E023703}">
-                      <ahyp:hlinkClr xmlns:ahyp="http://schemas.microsoft.com/office/drawing/2018/hyperlinkcolor" val="tx"/>
+                      <ahyp:hlinkClr xmlns:ahyp="http://schemas.microsoft.com/office/drawing/2018/hyperlinkcolor" xmlns="" val="tx"/>
                     </a:ext>
                   </a:extLst>
                 </a:hlinkClick>
@@ -7874,7 +8600,7 @@
                 <a:hlinkClick r:id="rId3" tooltip="Программное обеспечение">
                   <a:extLst>
                     <a:ext uri="{A12FA001-AC4F-418D-AE19-62706E023703}">
-                      <ahyp:hlinkClr xmlns:ahyp="http://schemas.microsoft.com/office/drawing/2018/hyperlinkcolor" val="tx"/>
+                      <ahyp:hlinkClr xmlns:ahyp="http://schemas.microsoft.com/office/drawing/2018/hyperlinkcolor" xmlns="" val="tx"/>
                     </a:ext>
                   </a:extLst>
                 </a:hlinkClick>
@@ -7903,7 +8629,7 @@
                 <a:hlinkClick r:id="rId4" tooltip="Компьютерный вирус">
                   <a:extLst>
                     <a:ext uri="{A12FA001-AC4F-418D-AE19-62706E023703}">
-                      <ahyp:hlinkClr xmlns:ahyp="http://schemas.microsoft.com/office/drawing/2018/hyperlinkcolor" val="tx"/>
+                      <ahyp:hlinkClr xmlns:ahyp="http://schemas.microsoft.com/office/drawing/2018/hyperlinkcolor" xmlns="" val="tx"/>
                     </a:ext>
                   </a:extLst>
                 </a:hlinkClick>
@@ -7932,7 +8658,7 @@
                 <a:hlinkClick r:id="rId2" tooltip="Вредоносная программа">
                   <a:extLst>
                     <a:ext uri="{A12FA001-AC4F-418D-AE19-62706E023703}">
-                      <ahyp:hlinkClr xmlns:ahyp="http://schemas.microsoft.com/office/drawing/2018/hyperlinkcolor" val="tx"/>
+                      <ahyp:hlinkClr xmlns:ahyp="http://schemas.microsoft.com/office/drawing/2018/hyperlinkcolor" xmlns="" val="tx"/>
                     </a:ext>
                   </a:extLst>
                 </a:hlinkClick>
@@ -7961,7 +8687,7 @@
                 <a:hlinkClick r:id="rId5" tooltip="Файл">
                   <a:extLst>
                     <a:ext uri="{A12FA001-AC4F-418D-AE19-62706E023703}">
-                      <ahyp:hlinkClr xmlns:ahyp="http://schemas.microsoft.com/office/drawing/2018/hyperlinkcolor" val="tx"/>
+                      <ahyp:hlinkClr xmlns:ahyp="http://schemas.microsoft.com/office/drawing/2018/hyperlinkcolor" xmlns="" val="tx"/>
                     </a:ext>
                   </a:extLst>
                 </a:hlinkClick>
@@ -7990,7 +8716,7 @@
                 <a:hlinkClick r:id="rId6" tooltip="Операционная система">
                   <a:extLst>
                     <a:ext uri="{A12FA001-AC4F-418D-AE19-62706E023703}">
-                      <ahyp:hlinkClr xmlns:ahyp="http://schemas.microsoft.com/office/drawing/2018/hyperlinkcolor" val="tx"/>
+                      <ahyp:hlinkClr xmlns:ahyp="http://schemas.microsoft.com/office/drawing/2018/hyperlinkcolor" xmlns="" val="tx"/>
                     </a:ext>
                   </a:extLst>
                 </a:hlinkClick>
@@ -8023,7 +8749,7 @@
           <p:cNvPr id="2050" name="Picture 2" descr="Zillya! - Как работает антивирусная программа?">
             <a:extLst>
               <a:ext uri="{FF2B5EF4-FFF2-40B4-BE49-F238E27FC236}">
-                <a16:creationId xmlns:a16="http://schemas.microsoft.com/office/drawing/2014/main" id="{26A83670-B1D1-75C5-C6D3-D43D41451FB0}"/>
+                <a16:creationId xmlns:a16="http://schemas.microsoft.com/office/drawing/2014/main" xmlns="" id="{26A83670-B1D1-75C5-C6D3-D43D41451FB0}"/>
               </a:ext>
             </a:extLst>
           </p:cNvPr>
@@ -8036,7 +8762,7 @@
           <a:blip r:embed="rId7">
             <a:extLst>
               <a:ext uri="{28A0092B-C50C-407E-A947-70E740481C1C}">
-                <a14:useLocalDpi xmlns:a14="http://schemas.microsoft.com/office/drawing/2010/main" val="0"/>
+                <a14:useLocalDpi xmlns:a14="http://schemas.microsoft.com/office/drawing/2010/main" xmlns="" val="0"/>
               </a:ext>
             </a:extLst>
           </a:blip>
@@ -8056,7 +8782,7 @@
           <a:noFill/>
           <a:extLst>
             <a:ext uri="{909E8E84-426E-40DD-AFC4-6F175D3DCCD1}">
-              <a14:hiddenFill xmlns:a14="http://schemas.microsoft.com/office/drawing/2010/main">
+              <a14:hiddenFill xmlns:a14="http://schemas.microsoft.com/office/drawing/2010/main" xmlns="">
                 <a:solidFill>
                   <a:srgbClr val="FFFFFF"/>
                 </a:solidFill>
@@ -8070,7 +8796,7 @@
           <p:cNvPr id="4" name="Нижний колонтитул 3">
             <a:extLst>
               <a:ext uri="{FF2B5EF4-FFF2-40B4-BE49-F238E27FC236}">
-                <a16:creationId xmlns:a16="http://schemas.microsoft.com/office/drawing/2014/main" id="{0A3D2949-61A6-2BF2-2EBE-B7DA93E2B617}"/>
+                <a16:creationId xmlns:a16="http://schemas.microsoft.com/office/drawing/2014/main" xmlns="" id="{0A3D2949-61A6-2BF2-2EBE-B7DA93E2B617}"/>
               </a:ext>
             </a:extLst>
           </p:cNvPr>
@@ -8095,7 +8821,7 @@
           <p:cNvPr id="5" name="Номер слайда 4">
             <a:extLst>
               <a:ext uri="{FF2B5EF4-FFF2-40B4-BE49-F238E27FC236}">
-                <a16:creationId xmlns:a16="http://schemas.microsoft.com/office/drawing/2014/main" id="{C110A72B-82AD-C141-4F35-7D733144045E}"/>
+                <a16:creationId xmlns:a16="http://schemas.microsoft.com/office/drawing/2014/main" xmlns="" id="{C110A72B-82AD-C141-4F35-7D733144045E}"/>
               </a:ext>
             </a:extLst>
           </p:cNvPr>
@@ -8120,16 +8846,70 @@
           </a:p>
         </p:txBody>
       </p:sp>
+      <p:sp>
+        <p:nvSpPr>
+          <p:cNvPr id="7" name="Управляющая кнопка: домой 6">
+            <a:hlinkClick r:id="rId8" action="ppaction://hlinksldjump" highlightClick="1"/>
+          </p:cNvPr>
+          <p:cNvSpPr/>
+          <p:nvPr/>
+        </p:nvSpPr>
+        <p:spPr>
+          <a:xfrm>
+            <a:off x="336332" y="5927835"/>
+            <a:ext cx="515007" cy="536027"/>
+          </a:xfrm>
+          <a:prstGeom prst="actionButtonHome">
+            <a:avLst/>
+          </a:prstGeom>
+          <a:ln>
+            <a:solidFill>
+              <a:schemeClr val="tx1"/>
+            </a:solidFill>
+          </a:ln>
+        </p:spPr>
+        <p:style>
+          <a:lnRef idx="2">
+            <a:schemeClr val="accent1">
+              <a:shade val="50000"/>
+            </a:schemeClr>
+          </a:lnRef>
+          <a:fillRef idx="1">
+            <a:schemeClr val="accent1"/>
+          </a:fillRef>
+          <a:effectRef idx="0">
+            <a:schemeClr val="accent1"/>
+          </a:effectRef>
+          <a:fontRef idx="minor">
+            <a:schemeClr val="lt1"/>
+          </a:fontRef>
+        </p:style>
+        <p:txBody>
+          <a:bodyPr rtlCol="0" anchor="ctr"/>
+          <a:lstStyle/>
+          <a:p>
+            <a:pPr algn="ctr"/>
+            <a:endParaRPr lang="en-US"/>
+          </a:p>
+        </p:txBody>
+      </p:sp>
     </p:spTree>
     <p:extLst>
       <p:ext uri="{BB962C8B-B14F-4D97-AF65-F5344CB8AC3E}">
-        <p14:creationId xmlns:p14="http://schemas.microsoft.com/office/powerpoint/2010/main" val="2020956618"/>
+        <p14:creationId xmlns:p14="http://schemas.microsoft.com/office/powerpoint/2010/main" xmlns="" val="2020956618"/>
       </p:ext>
     </p:extLst>
   </p:cSld>
   <p:clrMapOvr>
     <a:masterClrMapping/>
   </p:clrMapOvr>
+  <p:timing>
+    <p:tnLst>
+      <p:par>
+        <p:cTn id="1" dur="indefinite" restart="never" nodeType="tmRoot"/>
+      </p:par>
+    </p:tnLst>
+  </p:timing>
 </p:sld>
 </file>
 
@@ -8155,7 +8935,7 @@
           <p:cNvPr id="3074" name="Picture 2" descr="Лучшие антивирусы для Windows 10: опубликован декабрьский отчёт по тестам">
             <a:extLst>
               <a:ext uri="{FF2B5EF4-FFF2-40B4-BE49-F238E27FC236}">
-                <a16:creationId xmlns:a16="http://schemas.microsoft.com/office/drawing/2014/main" id="{C99B1B47-E12C-31E4-DF13-F5B8C7EFA6E6}"/>
+                <a16:creationId xmlns:a16="http://schemas.microsoft.com/office/drawing/2014/main" xmlns="" id="{C99B1B47-E12C-31E4-DF13-F5B8C7EFA6E6}"/>
               </a:ext>
             </a:extLst>
           </p:cNvPr>
@@ -8168,7 +8948,7 @@
           <a:blip r:embed="rId2">
             <a:extLst>
               <a:ext uri="{28A0092B-C50C-407E-A947-70E740481C1C}">
-                <a14:useLocalDpi xmlns:a14="http://schemas.microsoft.com/office/drawing/2010/main" val="0"/>
+                <a14:useLocalDpi xmlns:a14="http://schemas.microsoft.com/office/drawing/2010/main" xmlns="" val="0"/>
               </a:ext>
             </a:extLst>
           </a:blip>
@@ -8188,7 +8968,7 @@
           <a:noFill/>
           <a:extLst>
             <a:ext uri="{909E8E84-426E-40DD-AFC4-6F175D3DCCD1}">
-              <a14:hiddenFill xmlns:a14="http://schemas.microsoft.com/office/drawing/2010/main">
+              <a14:hiddenFill xmlns:a14="http://schemas.microsoft.com/office/drawing/2010/main" xmlns="">
                 <a:solidFill>
                   <a:srgbClr val="FFFFFF"/>
                 </a:solidFill>
@@ -8202,7 +8982,7 @@
           <p:cNvPr id="4" name="Нижний колонтитул 3">
             <a:extLst>
               <a:ext uri="{FF2B5EF4-FFF2-40B4-BE49-F238E27FC236}">
-                <a16:creationId xmlns:a16="http://schemas.microsoft.com/office/drawing/2014/main" id="{24D17B14-D8EC-9379-A32F-10F0CF954B7D}"/>
+                <a16:creationId xmlns:a16="http://schemas.microsoft.com/office/drawing/2014/main" xmlns="" id="{24D17B14-D8EC-9379-A32F-10F0CF954B7D}"/>
               </a:ext>
             </a:extLst>
           </p:cNvPr>
@@ -8227,7 +9007,7 @@
           <p:cNvPr id="5" name="Номер слайда 4">
             <a:extLst>
               <a:ext uri="{FF2B5EF4-FFF2-40B4-BE49-F238E27FC236}">
-                <a16:creationId xmlns:a16="http://schemas.microsoft.com/office/drawing/2014/main" id="{DE3A8410-45EC-627F-1F35-51059EB8511F}"/>
+                <a16:creationId xmlns:a16="http://schemas.microsoft.com/office/drawing/2014/main" xmlns="" id="{DE3A8410-45EC-627F-1F35-51059EB8511F}"/>
               </a:ext>
             </a:extLst>
           </p:cNvPr>
@@ -8252,16 +9032,70 @@
           </a:p>
         </p:txBody>
       </p:sp>
+      <p:sp>
+        <p:nvSpPr>
+          <p:cNvPr id="6" name="Управляющая кнопка: домой 5">
+            <a:hlinkClick r:id="rId3" action="ppaction://hlinksldjump" highlightClick="1"/>
+          </p:cNvPr>
+          <p:cNvSpPr/>
+          <p:nvPr/>
+        </p:nvSpPr>
+        <p:spPr>
+          <a:xfrm>
+            <a:off x="346842" y="6001408"/>
+            <a:ext cx="515007" cy="536027"/>
+          </a:xfrm>
+          <a:prstGeom prst="actionButtonHome">
+            <a:avLst/>
+          </a:prstGeom>
+          <a:ln>
+            <a:solidFill>
+              <a:schemeClr val="tx1"/>
+            </a:solidFill>
+          </a:ln>
+        </p:spPr>
+        <p:style>
+          <a:lnRef idx="2">
+            <a:schemeClr val="accent1">
+              <a:shade val="50000"/>
+            </a:schemeClr>
+          </a:lnRef>
+          <a:fillRef idx="1">
+            <a:schemeClr val="accent1"/>
+          </a:fillRef>
+          <a:effectRef idx="0">
+            <a:schemeClr val="accent1"/>
+          </a:effectRef>
+          <a:fontRef idx="minor">
+            <a:schemeClr val="lt1"/>
+          </a:fontRef>
+        </p:style>
+        <p:txBody>
+          <a:bodyPr rtlCol="0" anchor="ctr"/>
+          <a:lstStyle/>
+          <a:p>
+            <a:pPr algn="ctr"/>
+            <a:endParaRPr lang="en-US"/>
+          </a:p>
+        </p:txBody>
+      </p:sp>
     </p:spTree>
     <p:extLst>
       <p:ext uri="{BB962C8B-B14F-4D97-AF65-F5344CB8AC3E}">
-        <p14:creationId xmlns:p14="http://schemas.microsoft.com/office/powerpoint/2010/main" val="2477090613"/>
+        <p14:creationId xmlns:p14="http://schemas.microsoft.com/office/powerpoint/2010/main" xmlns="" val="2477090613"/>
       </p:ext>
     </p:extLst>
   </p:cSld>
   <p:clrMapOvr>
     <a:masterClrMapping/>
   </p:clrMapOvr>
+  <p:timing>
+    <p:tnLst>
+      <p:par>
+        <p:cTn id="1" dur="indefinite" restart="never" nodeType="tmRoot"/>
+      </p:par>
+    </p:tnLst>
+  </p:timing>
 </p:sld>
 </file>
 
@@ -8287,7 +9121,7 @@
           <p:cNvPr id="2" name="Заголовок 1">
             <a:extLst>
               <a:ext uri="{FF2B5EF4-FFF2-40B4-BE49-F238E27FC236}">
-                <a16:creationId xmlns:a16="http://schemas.microsoft.com/office/drawing/2014/main" id="{6F1F9590-A1BA-EFC6-086E-51BB4772A16B}"/>
+                <a16:creationId xmlns:a16="http://schemas.microsoft.com/office/drawing/2014/main" xmlns="" id="{6F1F9590-A1BA-EFC6-086E-51BB4772A16B}"/>
               </a:ext>
             </a:extLst>
           </p:cNvPr>
@@ -8300,7 +9134,7 @@
         </p:nvSpPr>
         <p:spPr>
           <a:xfrm>
-            <a:off x="3416780" y="114300"/>
+            <a:off x="3290656" y="261445"/>
             <a:ext cx="6088727" cy="1650705"/>
           </a:xfrm>
         </p:spPr>
@@ -8308,6 +9142,7 @@
           <a:bodyPr/>
           <a:lstStyle/>
           <a:p>
+            <a:pPr algn="ctr"/>
             <a:r>
               <a:rPr lang="ru-RU" dirty="0">
                 <a:latin typeface="Times New Roman" panose="02020603050405020304" pitchFamily="18" charset="0"/>
@@ -8323,7 +9158,7 @@
           <p:cNvPr id="3" name="Объект 2">
             <a:extLst>
               <a:ext uri="{FF2B5EF4-FFF2-40B4-BE49-F238E27FC236}">
-                <a16:creationId xmlns:a16="http://schemas.microsoft.com/office/drawing/2014/main" id="{E90842F7-DAD1-AED9-EF2A-584A64E0A72F}"/>
+                <a16:creationId xmlns:a16="http://schemas.microsoft.com/office/drawing/2014/main" xmlns="" id="{E90842F7-DAD1-AED9-EF2A-584A64E0A72F}"/>
               </a:ext>
             </a:extLst>
           </p:cNvPr>
@@ -8364,7 +9199,7 @@
           <p:cNvPr id="4098" name="Picture 2" descr="Программы-фильтры - Компьютерные вирусы и антивирусные программы">
             <a:extLst>
               <a:ext uri="{FF2B5EF4-FFF2-40B4-BE49-F238E27FC236}">
-                <a16:creationId xmlns:a16="http://schemas.microsoft.com/office/drawing/2014/main" id="{3A21AD62-7F7C-E5EB-39CE-EA7E16696154}"/>
+                <a16:creationId xmlns:a16="http://schemas.microsoft.com/office/drawing/2014/main" xmlns="" id="{3A21AD62-7F7C-E5EB-39CE-EA7E16696154}"/>
               </a:ext>
             </a:extLst>
           </p:cNvPr>
@@ -8377,7 +9212,7 @@
           <a:blip r:embed="rId2">
             <a:extLst>
               <a:ext uri="{28A0092B-C50C-407E-A947-70E740481C1C}">
-                <a14:useLocalDpi xmlns:a14="http://schemas.microsoft.com/office/drawing/2010/main" val="0"/>
+                <a14:useLocalDpi xmlns:a14="http://schemas.microsoft.com/office/drawing/2010/main" xmlns="" val="0"/>
               </a:ext>
             </a:extLst>
           </a:blip>
@@ -8397,7 +9232,7 @@
           <a:noFill/>
           <a:extLst>
             <a:ext uri="{909E8E84-426E-40DD-AFC4-6F175D3DCCD1}">
-              <a14:hiddenFill xmlns:a14="http://schemas.microsoft.com/office/drawing/2010/main">
+              <a14:hiddenFill xmlns:a14="http://schemas.microsoft.com/office/drawing/2010/main" xmlns="">
                 <a:solidFill>
                   <a:srgbClr val="FFFFFF"/>
                 </a:solidFill>
@@ -8411,7 +9246,7 @@
           <p:cNvPr id="4" name="Нижний колонтитул 3">
             <a:extLst>
               <a:ext uri="{FF2B5EF4-FFF2-40B4-BE49-F238E27FC236}">
-                <a16:creationId xmlns:a16="http://schemas.microsoft.com/office/drawing/2014/main" id="{F4C1A27A-DB14-0BBC-8682-F71A7D7401ED}"/>
+                <a16:creationId xmlns:a16="http://schemas.microsoft.com/office/drawing/2014/main" xmlns="" id="{F4C1A27A-DB14-0BBC-8682-F71A7D7401ED}"/>
               </a:ext>
             </a:extLst>
           </p:cNvPr>
@@ -8436,7 +9271,7 @@
           <p:cNvPr id="5" name="Номер слайда 4">
             <a:extLst>
               <a:ext uri="{FF2B5EF4-FFF2-40B4-BE49-F238E27FC236}">
-                <a16:creationId xmlns:a16="http://schemas.microsoft.com/office/drawing/2014/main" id="{DE75AA88-88C9-7E61-7B62-EF6CFA0B3A29}"/>
+                <a16:creationId xmlns:a16="http://schemas.microsoft.com/office/drawing/2014/main" xmlns="" id="{DE75AA88-88C9-7E61-7B62-EF6CFA0B3A29}"/>
               </a:ext>
             </a:extLst>
           </p:cNvPr>
@@ -8461,16 +9296,70 @@
           </a:p>
         </p:txBody>
       </p:sp>
+      <p:sp>
+        <p:nvSpPr>
+          <p:cNvPr id="7" name="Управляющая кнопка: домой 6">
+            <a:hlinkClick r:id="rId3" action="ppaction://hlinksldjump" highlightClick="1"/>
+          </p:cNvPr>
+          <p:cNvSpPr/>
+          <p:nvPr/>
+        </p:nvSpPr>
+        <p:spPr>
+          <a:xfrm>
+            <a:off x="336332" y="5927835"/>
+            <a:ext cx="515007" cy="536027"/>
+          </a:xfrm>
+          <a:prstGeom prst="actionButtonHome">
+            <a:avLst/>
+          </a:prstGeom>
+          <a:ln>
+            <a:solidFill>
+              <a:schemeClr val="tx1"/>
+            </a:solidFill>
+          </a:ln>
+        </p:spPr>
+        <p:style>
+          <a:lnRef idx="2">
+            <a:schemeClr val="accent1">
+              <a:shade val="50000"/>
+            </a:schemeClr>
+          </a:lnRef>
+          <a:fillRef idx="1">
+            <a:schemeClr val="accent1"/>
+          </a:fillRef>
+          <a:effectRef idx="0">
+            <a:schemeClr val="accent1"/>
+          </a:effectRef>
+          <a:fontRef idx="minor">
+            <a:schemeClr val="lt1"/>
+          </a:fontRef>
+        </p:style>
+        <p:txBody>
+          <a:bodyPr rtlCol="0" anchor="ctr"/>
+          <a:lstStyle/>
+          <a:p>
+            <a:pPr algn="ctr"/>
+            <a:endParaRPr lang="en-US"/>
+          </a:p>
+        </p:txBody>
+      </p:sp>
     </p:spTree>
     <p:extLst>
       <p:ext uri="{BB962C8B-B14F-4D97-AF65-F5344CB8AC3E}">
-        <p14:creationId xmlns:p14="http://schemas.microsoft.com/office/powerpoint/2010/main" val="440560910"/>
+        <p14:creationId xmlns:p14="http://schemas.microsoft.com/office/powerpoint/2010/main" xmlns="" val="440560910"/>
       </p:ext>
     </p:extLst>
   </p:cSld>
   <p:clrMapOvr>
     <a:masterClrMapping/>
   </p:clrMapOvr>
+  <p:timing>
+    <p:tnLst>
+      <p:par>
+        <p:cTn id="1" dur="indefinite" restart="never" nodeType="tmRoot"/>
+      </p:par>
+    </p:tnLst>
+  </p:timing>
 </p:sld>
 </file>
 
@@ -8496,7 +9385,7 @@
           <p:cNvPr id="2" name="Заголовок 1">
             <a:extLst>
               <a:ext uri="{FF2B5EF4-FFF2-40B4-BE49-F238E27FC236}">
-                <a16:creationId xmlns:a16="http://schemas.microsoft.com/office/drawing/2014/main" id="{437034BB-51D6-3517-975A-4B0CD2FD8AB0}"/>
+                <a16:creationId xmlns:a16="http://schemas.microsoft.com/office/drawing/2014/main" xmlns="" id="{437034BB-51D6-3517-975A-4B0CD2FD8AB0}"/>
               </a:ext>
             </a:extLst>
           </p:cNvPr>
@@ -8509,8 +9398,8 @@
         </p:nvSpPr>
         <p:spPr>
           <a:xfrm>
-            <a:off x="3299821" y="492642"/>
-            <a:ext cx="5822913" cy="1357423"/>
+            <a:off x="3205228" y="462456"/>
+            <a:ext cx="5822913" cy="1093320"/>
           </a:xfrm>
         </p:spPr>
         <p:txBody>
@@ -8534,7 +9423,7 @@
           <p:cNvPr id="3" name="Объект 2">
             <a:extLst>
               <a:ext uri="{FF2B5EF4-FFF2-40B4-BE49-F238E27FC236}">
-                <a16:creationId xmlns:a16="http://schemas.microsoft.com/office/drawing/2014/main" id="{B793DC49-442A-B11F-F59A-1A15F3373080}"/>
+                <a16:creationId xmlns:a16="http://schemas.microsoft.com/office/drawing/2014/main" xmlns="" id="{B793DC49-442A-B11F-F59A-1A15F3373080}"/>
               </a:ext>
             </a:extLst>
           </p:cNvPr>
@@ -8547,7 +9436,7 @@
         </p:nvSpPr>
         <p:spPr>
           <a:xfrm>
-            <a:off x="1141413" y="2328530"/>
+            <a:off x="1025799" y="2118323"/>
             <a:ext cx="4142968" cy="3462671"/>
           </a:xfrm>
         </p:spPr>
@@ -8575,7 +9464,7 @@
           <p:cNvPr id="5122" name="Picture 2" descr="История мирового хаккерства. timeline | Timetoast timelines">
             <a:extLst>
               <a:ext uri="{FF2B5EF4-FFF2-40B4-BE49-F238E27FC236}">
-                <a16:creationId xmlns:a16="http://schemas.microsoft.com/office/drawing/2014/main" id="{BE69B81B-5D33-9713-3925-95AF3AB6B2E9}"/>
+                <a16:creationId xmlns:a16="http://schemas.microsoft.com/office/drawing/2014/main" xmlns="" id="{BE69B81B-5D33-9713-3925-95AF3AB6B2E9}"/>
               </a:ext>
             </a:extLst>
           </p:cNvPr>
@@ -8588,7 +9477,7 @@
           <a:blip r:embed="rId2">
             <a:extLst>
               <a:ext uri="{28A0092B-C50C-407E-A947-70E740481C1C}">
-                <a14:useLocalDpi xmlns:a14="http://schemas.microsoft.com/office/drawing/2010/main" val="0"/>
+                <a14:useLocalDpi xmlns:a14="http://schemas.microsoft.com/office/drawing/2010/main" xmlns="" val="0"/>
               </a:ext>
             </a:extLst>
           </a:blip>
@@ -8599,7 +9488,7 @@
         </p:blipFill>
         <p:spPr bwMode="auto">
           <a:xfrm>
-            <a:off x="6302115" y="2253216"/>
+            <a:off x="6302115" y="2074540"/>
             <a:ext cx="5003286" cy="3764812"/>
           </a:xfrm>
           <a:prstGeom prst="rect">
@@ -8608,7 +9497,7 @@
           <a:noFill/>
           <a:extLst>
             <a:ext uri="{909E8E84-426E-40DD-AFC4-6F175D3DCCD1}">
-              <a14:hiddenFill xmlns:a14="http://schemas.microsoft.com/office/drawing/2010/main">
+              <a14:hiddenFill xmlns:a14="http://schemas.microsoft.com/office/drawing/2010/main" xmlns="">
                 <a:solidFill>
                   <a:srgbClr val="FFFFFF"/>
                 </a:solidFill>
@@ -8622,7 +9511,7 @@
           <p:cNvPr id="4" name="Нижний колонтитул 3">
             <a:extLst>
               <a:ext uri="{FF2B5EF4-FFF2-40B4-BE49-F238E27FC236}">
-                <a16:creationId xmlns:a16="http://schemas.microsoft.com/office/drawing/2014/main" id="{965ABDD6-BD2B-9B6F-AA86-D12AED4EC005}"/>
+                <a16:creationId xmlns:a16="http://schemas.microsoft.com/office/drawing/2014/main" xmlns="" id="{965ABDD6-BD2B-9B6F-AA86-D12AED4EC005}"/>
               </a:ext>
             </a:extLst>
           </p:cNvPr>
@@ -8647,7 +9536,7 @@
           <p:cNvPr id="5" name="Номер слайда 4">
             <a:extLst>
               <a:ext uri="{FF2B5EF4-FFF2-40B4-BE49-F238E27FC236}">
-                <a16:creationId xmlns:a16="http://schemas.microsoft.com/office/drawing/2014/main" id="{25F3B61B-C59F-0E5A-CCE4-E0DDB3305168}"/>
+                <a16:creationId xmlns:a16="http://schemas.microsoft.com/office/drawing/2014/main" xmlns="" id="{25F3B61B-C59F-0E5A-CCE4-E0DDB3305168}"/>
               </a:ext>
             </a:extLst>
           </p:cNvPr>
@@ -8672,16 +9561,70 @@
           </a:p>
         </p:txBody>
       </p:sp>
+      <p:sp>
+        <p:nvSpPr>
+          <p:cNvPr id="7" name="Управляющая кнопка: домой 6">
+            <a:hlinkClick r:id="rId3" action="ppaction://hlinksldjump" highlightClick="1"/>
+          </p:cNvPr>
+          <p:cNvSpPr/>
+          <p:nvPr/>
+        </p:nvSpPr>
+        <p:spPr>
+          <a:xfrm>
+            <a:off x="336332" y="5927835"/>
+            <a:ext cx="515007" cy="536027"/>
+          </a:xfrm>
+          <a:prstGeom prst="actionButtonHome">
+            <a:avLst/>
+          </a:prstGeom>
+          <a:ln>
+            <a:solidFill>
+              <a:schemeClr val="tx1"/>
+            </a:solidFill>
+          </a:ln>
+        </p:spPr>
+        <p:style>
+          <a:lnRef idx="2">
+            <a:schemeClr val="accent1">
+              <a:shade val="50000"/>
+            </a:schemeClr>
+          </a:lnRef>
+          <a:fillRef idx="1">
+            <a:schemeClr val="accent1"/>
+          </a:fillRef>
+          <a:effectRef idx="0">
+            <a:schemeClr val="accent1"/>
+          </a:effectRef>
+          <a:fontRef idx="minor">
+            <a:schemeClr val="lt1"/>
+          </a:fontRef>
+        </p:style>
+        <p:txBody>
+          <a:bodyPr rtlCol="0" anchor="ctr"/>
+          <a:lstStyle/>
+          <a:p>
+            <a:pPr algn="ctr"/>
+            <a:endParaRPr lang="en-US"/>
+          </a:p>
+        </p:txBody>
+      </p:sp>
     </p:spTree>
     <p:extLst>
       <p:ext uri="{BB962C8B-B14F-4D97-AF65-F5344CB8AC3E}">
-        <p14:creationId xmlns:p14="http://schemas.microsoft.com/office/powerpoint/2010/main" val="1759387642"/>
+        <p14:creationId xmlns:p14="http://schemas.microsoft.com/office/powerpoint/2010/main" xmlns="" val="1759387642"/>
       </p:ext>
     </p:extLst>
   </p:cSld>
   <p:clrMapOvr>
     <a:masterClrMapping/>
   </p:clrMapOvr>
+  <p:timing>
+    <p:tnLst>
+      <p:par>
+        <p:cTn id="1" dur="indefinite" restart="never" nodeType="tmRoot"/>
+      </p:par>
+    </p:tnLst>
+  </p:timing>
 </p:sld>
 </file>
 
@@ -8707,7 +9650,7 @@
           <p:cNvPr id="2" name="Заголовок 1">
             <a:extLst>
               <a:ext uri="{FF2B5EF4-FFF2-40B4-BE49-F238E27FC236}">
-                <a16:creationId xmlns:a16="http://schemas.microsoft.com/office/drawing/2014/main" id="{965D93E7-EC31-3D54-430B-27BE38697237}"/>
+                <a16:creationId xmlns:a16="http://schemas.microsoft.com/office/drawing/2014/main" xmlns="" id="{965D93E7-EC31-3D54-430B-27BE38697237}"/>
               </a:ext>
             </a:extLst>
           </p:cNvPr>
@@ -8744,7 +9687,7 @@
           <p:cNvPr id="3" name="Объект 2">
             <a:extLst>
               <a:ext uri="{FF2B5EF4-FFF2-40B4-BE49-F238E27FC236}">
-                <a16:creationId xmlns:a16="http://schemas.microsoft.com/office/drawing/2014/main" id="{353F24C0-97AC-4313-E969-B7431DAEA1DA}"/>
+                <a16:creationId xmlns:a16="http://schemas.microsoft.com/office/drawing/2014/main" xmlns="" id="{353F24C0-97AC-4313-E969-B7431DAEA1DA}"/>
               </a:ext>
             </a:extLst>
           </p:cNvPr>
@@ -8758,12 +9701,12 @@
         <p:spPr>
           <a:xfrm>
             <a:off x="833070" y="1913860"/>
-            <a:ext cx="4919146" cy="3487480"/>
+            <a:ext cx="4443123" cy="3487480"/>
           </a:xfrm>
         </p:spPr>
         <p:txBody>
           <a:bodyPr>
-            <a:normAutofit fontScale="92500" lnSpcReduction="20000"/>
+            <a:normAutofit fontScale="85000" lnSpcReduction="10000"/>
           </a:bodyPr>
           <a:lstStyle/>
           <a:p>
@@ -8785,7 +9728,7 @@
           <p:cNvPr id="6146" name="Picture 2" descr="Пермь. Лечение компьютера от вирусов на дому. Цена очистки">
             <a:extLst>
               <a:ext uri="{FF2B5EF4-FFF2-40B4-BE49-F238E27FC236}">
-                <a16:creationId xmlns:a16="http://schemas.microsoft.com/office/drawing/2014/main" id="{5BE8E187-180A-B548-62F3-FFC849E14D60}"/>
+                <a16:creationId xmlns:a16="http://schemas.microsoft.com/office/drawing/2014/main" xmlns="" id="{5BE8E187-180A-B548-62F3-FFC849E14D60}"/>
               </a:ext>
             </a:extLst>
           </p:cNvPr>
@@ -8798,7 +9741,7 @@
           <a:blip r:embed="rId2">
             <a:extLst>
               <a:ext uri="{28A0092B-C50C-407E-A947-70E740481C1C}">
-                <a14:useLocalDpi xmlns:a14="http://schemas.microsoft.com/office/drawing/2010/main" val="0"/>
+                <a14:useLocalDpi xmlns:a14="http://schemas.microsoft.com/office/drawing/2010/main" xmlns="" val="0"/>
               </a:ext>
             </a:extLst>
           </a:blip>
@@ -8809,7 +9752,7 @@
         </p:blipFill>
         <p:spPr bwMode="auto">
           <a:xfrm>
-            <a:off x="6762308" y="1913860"/>
+            <a:off x="6625673" y="1829777"/>
             <a:ext cx="4681683" cy="3668233"/>
           </a:xfrm>
           <a:prstGeom prst="rect">
@@ -8818,7 +9761,7 @@
           <a:noFill/>
           <a:extLst>
             <a:ext uri="{909E8E84-426E-40DD-AFC4-6F175D3DCCD1}">
-              <a14:hiddenFill xmlns:a14="http://schemas.microsoft.com/office/drawing/2010/main">
+              <a14:hiddenFill xmlns:a14="http://schemas.microsoft.com/office/drawing/2010/main" xmlns="">
                 <a:solidFill>
                   <a:srgbClr val="FFFFFF"/>
                 </a:solidFill>
@@ -8832,7 +9775,7 @@
           <p:cNvPr id="4" name="Нижний колонтитул 3">
             <a:extLst>
               <a:ext uri="{FF2B5EF4-FFF2-40B4-BE49-F238E27FC236}">
-                <a16:creationId xmlns:a16="http://schemas.microsoft.com/office/drawing/2014/main" id="{93F5B2F5-07D4-B082-E9E0-A13F4C1607B9}"/>
+                <a16:creationId xmlns:a16="http://schemas.microsoft.com/office/drawing/2014/main" xmlns="" id="{93F5B2F5-07D4-B082-E9E0-A13F4C1607B9}"/>
               </a:ext>
             </a:extLst>
           </p:cNvPr>
@@ -8857,7 +9800,7 @@
           <p:cNvPr id="5" name="Номер слайда 4">
             <a:extLst>
               <a:ext uri="{FF2B5EF4-FFF2-40B4-BE49-F238E27FC236}">
-                <a16:creationId xmlns:a16="http://schemas.microsoft.com/office/drawing/2014/main" id="{E8ABE170-A50D-6898-F916-80CEC0AAFF5E}"/>
+                <a16:creationId xmlns:a16="http://schemas.microsoft.com/office/drawing/2014/main" xmlns="" id="{E8ABE170-A50D-6898-F916-80CEC0AAFF5E}"/>
               </a:ext>
             </a:extLst>
           </p:cNvPr>
@@ -8882,10 +9825,57 @@
           </a:p>
         </p:txBody>
       </p:sp>
+      <p:sp>
+        <p:nvSpPr>
+          <p:cNvPr id="7" name="Управляющая кнопка: домой 6">
+            <a:hlinkClick r:id="rId3" action="ppaction://hlinksldjump" highlightClick="1"/>
+          </p:cNvPr>
+          <p:cNvSpPr/>
+          <p:nvPr/>
+        </p:nvSpPr>
+        <p:spPr>
+          <a:xfrm>
+            <a:off x="336332" y="5927835"/>
+            <a:ext cx="515007" cy="536027"/>
+          </a:xfrm>
+          <a:prstGeom prst="actionButtonHome">
+            <a:avLst/>
+          </a:prstGeom>
+          <a:ln>
+            <a:solidFill>
+              <a:schemeClr val="tx1"/>
+            </a:solidFill>
+          </a:ln>
+        </p:spPr>
+        <p:style>
+          <a:lnRef idx="2">
+            <a:schemeClr val="accent1">
+              <a:shade val="50000"/>
+            </a:schemeClr>
+          </a:lnRef>
+          <a:fillRef idx="1">
+            <a:schemeClr val="accent1"/>
+          </a:fillRef>
+          <a:effectRef idx="0">
+            <a:schemeClr val="accent1"/>
+          </a:effectRef>
+          <a:fontRef idx="minor">
+            <a:schemeClr val="lt1"/>
+          </a:fontRef>
+        </p:style>
+        <p:txBody>
+          <a:bodyPr rtlCol="0" anchor="ctr"/>
+          <a:lstStyle/>
+          <a:p>
+            <a:pPr algn="ctr"/>
+            <a:endParaRPr lang="en-US"/>
+          </a:p>
+        </p:txBody>
+      </p:sp>
     </p:spTree>
     <p:extLst>
       <p:ext uri="{BB962C8B-B14F-4D97-AF65-F5344CB8AC3E}">
-        <p14:creationId xmlns:p14="http://schemas.microsoft.com/office/powerpoint/2010/main" val="2474665376"/>
+        <p14:creationId xmlns:p14="http://schemas.microsoft.com/office/powerpoint/2010/main" xmlns="" val="2474665376"/>
       </p:ext>
     </p:extLst>
   </p:cSld>
@@ -8917,7 +9907,7 @@
           <p:cNvPr id="2" name="Заголовок 1">
             <a:extLst>
               <a:ext uri="{FF2B5EF4-FFF2-40B4-BE49-F238E27FC236}">
-                <a16:creationId xmlns:a16="http://schemas.microsoft.com/office/drawing/2014/main" id="{31B8E651-0383-23FA-F87B-BDA4D214290E}"/>
+                <a16:creationId xmlns:a16="http://schemas.microsoft.com/office/drawing/2014/main" xmlns="" id="{31B8E651-0383-23FA-F87B-BDA4D214290E}"/>
               </a:ext>
             </a:extLst>
           </p:cNvPr>
@@ -8954,7 +9944,7 @@
           <p:cNvPr id="3" name="Объект 2">
             <a:extLst>
               <a:ext uri="{FF2B5EF4-FFF2-40B4-BE49-F238E27FC236}">
-                <a16:creationId xmlns:a16="http://schemas.microsoft.com/office/drawing/2014/main" id="{FD34348E-7E22-01EC-7AD4-B4F3C661D310}"/>
+                <a16:creationId xmlns:a16="http://schemas.microsoft.com/office/drawing/2014/main" xmlns="" id="{FD34348E-7E22-01EC-7AD4-B4F3C661D310}"/>
               </a:ext>
             </a:extLst>
           </p:cNvPr>
@@ -9154,7 +10144,7 @@
           <p:cNvPr id="8194" name="Picture 2" descr="17 feb 1981 año - Джо Деллинджер (Cinta de tiempo)">
             <a:extLst>
               <a:ext uri="{FF2B5EF4-FFF2-40B4-BE49-F238E27FC236}">
-                <a16:creationId xmlns:a16="http://schemas.microsoft.com/office/drawing/2014/main" id="{4F1895B0-7858-735E-734A-91D862FDBD2E}"/>
+                <a16:creationId xmlns:a16="http://schemas.microsoft.com/office/drawing/2014/main" xmlns="" id="{4F1895B0-7858-735E-734A-91D862FDBD2E}"/>
               </a:ext>
             </a:extLst>
           </p:cNvPr>
@@ -9167,7 +10157,7 @@
           <a:blip r:embed="rId2">
             <a:extLst>
               <a:ext uri="{28A0092B-C50C-407E-A947-70E740481C1C}">
-                <a14:useLocalDpi xmlns:a14="http://schemas.microsoft.com/office/drawing/2010/main" val="0"/>
+                <a14:useLocalDpi xmlns:a14="http://schemas.microsoft.com/office/drawing/2010/main" xmlns="" val="0"/>
               </a:ext>
             </a:extLst>
           </a:blip>
@@ -9187,7 +10177,7 @@
           <a:noFill/>
           <a:extLst>
             <a:ext uri="{909E8E84-426E-40DD-AFC4-6F175D3DCCD1}">
-              <a14:hiddenFill xmlns:a14="http://schemas.microsoft.com/office/drawing/2010/main">
+              <a14:hiddenFill xmlns:a14="http://schemas.microsoft.com/office/drawing/2010/main" xmlns="">
                 <a:solidFill>
                   <a:srgbClr val="FFFFFF"/>
                 </a:solidFill>
@@ -9201,7 +10191,7 @@
           <p:cNvPr id="4" name="Нижний колонтитул 3">
             <a:extLst>
               <a:ext uri="{FF2B5EF4-FFF2-40B4-BE49-F238E27FC236}">
-                <a16:creationId xmlns:a16="http://schemas.microsoft.com/office/drawing/2014/main" id="{56AFA628-7CD4-FC5B-8828-193B6A5862F8}"/>
+                <a16:creationId xmlns:a16="http://schemas.microsoft.com/office/drawing/2014/main" xmlns="" id="{56AFA628-7CD4-FC5B-8828-193B6A5862F8}"/>
               </a:ext>
             </a:extLst>
           </p:cNvPr>
@@ -9226,7 +10216,7 @@
           <p:cNvPr id="5" name="Номер слайда 4">
             <a:extLst>
               <a:ext uri="{FF2B5EF4-FFF2-40B4-BE49-F238E27FC236}">
-                <a16:creationId xmlns:a16="http://schemas.microsoft.com/office/drawing/2014/main" id="{9DF2223A-6F8F-0320-EBC4-2619E426319A}"/>
+                <a16:creationId xmlns:a16="http://schemas.microsoft.com/office/drawing/2014/main" xmlns="" id="{9DF2223A-6F8F-0320-EBC4-2619E426319A}"/>
               </a:ext>
             </a:extLst>
           </p:cNvPr>
@@ -9251,10 +10241,57 @@
           </a:p>
         </p:txBody>
       </p:sp>
+      <p:sp>
+        <p:nvSpPr>
+          <p:cNvPr id="7" name="Управляющая кнопка: домой 6">
+            <a:hlinkClick r:id="rId3" action="ppaction://hlinksldjump" highlightClick="1"/>
+          </p:cNvPr>
+          <p:cNvSpPr/>
+          <p:nvPr/>
+        </p:nvSpPr>
+        <p:spPr>
+          <a:xfrm>
+            <a:off x="336332" y="5927835"/>
+            <a:ext cx="515007" cy="536027"/>
+          </a:xfrm>
+          <a:prstGeom prst="actionButtonHome">
+            <a:avLst/>
+          </a:prstGeom>
+          <a:ln>
+            <a:solidFill>
+              <a:schemeClr val="tx1"/>
+            </a:solidFill>
+          </a:ln>
+        </p:spPr>
+        <p:style>
+          <a:lnRef idx="2">
+            <a:schemeClr val="accent1">
+              <a:shade val="50000"/>
+            </a:schemeClr>
+          </a:lnRef>
+          <a:fillRef idx="1">
+            <a:schemeClr val="accent1"/>
+          </a:fillRef>
+          <a:effectRef idx="0">
+            <a:schemeClr val="accent1"/>
+          </a:effectRef>
+          <a:fontRef idx="minor">
+            <a:schemeClr val="lt1"/>
+          </a:fontRef>
+        </p:style>
+        <p:txBody>
+          <a:bodyPr rtlCol="0" anchor="ctr"/>
+          <a:lstStyle/>
+          <a:p>
+            <a:pPr algn="ctr"/>
+            <a:endParaRPr lang="en-US"/>
+          </a:p>
+        </p:txBody>
+      </p:sp>
     </p:spTree>
     <p:extLst>
       <p:ext uri="{BB962C8B-B14F-4D97-AF65-F5344CB8AC3E}">
-        <p14:creationId xmlns:p14="http://schemas.microsoft.com/office/powerpoint/2010/main" val="3330257396"/>
+        <p14:creationId xmlns:p14="http://schemas.microsoft.com/office/powerpoint/2010/main" xmlns="" val="3330257396"/>
       </p:ext>
     </p:extLst>
   </p:cSld>
@@ -9286,7 +10323,7 @@
           <p:cNvPr id="2" name="Заголовок 1">
             <a:extLst>
               <a:ext uri="{FF2B5EF4-FFF2-40B4-BE49-F238E27FC236}">
-                <a16:creationId xmlns:a16="http://schemas.microsoft.com/office/drawing/2014/main" id="{C28A9418-C2BD-06F7-69CE-B4FB51FF68CA}"/>
+                <a16:creationId xmlns:a16="http://schemas.microsoft.com/office/drawing/2014/main" xmlns="" id="{C28A9418-C2BD-06F7-69CE-B4FB51FF68CA}"/>
               </a:ext>
             </a:extLst>
           </p:cNvPr>
@@ -9320,7 +10357,7 @@
           <p:cNvPr id="3" name="Объект 2">
             <a:extLst>
               <a:ext uri="{FF2B5EF4-FFF2-40B4-BE49-F238E27FC236}">
-                <a16:creationId xmlns:a16="http://schemas.microsoft.com/office/drawing/2014/main" id="{25AA7312-C985-CE64-7571-2B00B9FA44DE}"/>
+                <a16:creationId xmlns:a16="http://schemas.microsoft.com/office/drawing/2014/main" xmlns="" id="{25AA7312-C985-CE64-7571-2B00B9FA44DE}"/>
               </a:ext>
             </a:extLst>
           </p:cNvPr>
@@ -9384,7 +10421,7 @@
                 <a:hlinkClick r:id="rId2" tooltip="1985 год">
                   <a:extLst>
                     <a:ext uri="{A12FA001-AC4F-418D-AE19-62706E023703}">
-                      <ahyp:hlinkClr xmlns:ahyp="http://schemas.microsoft.com/office/drawing/2018/hyperlinkcolor" val="tx"/>
+                      <ahyp:hlinkClr xmlns:ahyp="http://schemas.microsoft.com/office/drawing/2018/hyperlinkcolor" xmlns="" val="tx"/>
                     </a:ext>
                   </a:extLst>
                 </a:hlinkClick>
@@ -9457,7 +10494,7 @@
                 <a:hlinkClick r:id="rId3" tooltip="BBS">
                   <a:extLst>
                     <a:ext uri="{A12FA001-AC4F-418D-AE19-62706E023703}">
-                      <ahyp:hlinkClr xmlns:ahyp="http://schemas.microsoft.com/office/drawing/2018/hyperlinkcolor" val="tx"/>
+                      <ahyp:hlinkClr xmlns:ahyp="http://schemas.microsoft.com/office/drawing/2018/hyperlinkcolor" xmlns="" val="tx"/>
                     </a:ext>
                   </a:extLst>
                 </a:hlinkClick>
@@ -9622,7 +10659,7 @@
           <p:cNvPr id="9218" name="Picture 2" descr="Хронология возникновения компьютерных вирусов timeline | Timetoast">
             <a:extLst>
               <a:ext uri="{FF2B5EF4-FFF2-40B4-BE49-F238E27FC236}">
-                <a16:creationId xmlns:a16="http://schemas.microsoft.com/office/drawing/2014/main" id="{A6F47774-8D99-E6DC-4BD5-9C9DD4C1BA8B}"/>
+                <a16:creationId xmlns:a16="http://schemas.microsoft.com/office/drawing/2014/main" xmlns="" id="{A6F47774-8D99-E6DC-4BD5-9C9DD4C1BA8B}"/>
               </a:ext>
             </a:extLst>
           </p:cNvPr>
@@ -9635,7 +10672,7 @@
           <a:blip r:embed="rId4">
             <a:extLst>
               <a:ext uri="{28A0092B-C50C-407E-A947-70E740481C1C}">
-                <a14:useLocalDpi xmlns:a14="http://schemas.microsoft.com/office/drawing/2010/main" val="0"/>
+                <a14:useLocalDpi xmlns:a14="http://schemas.microsoft.com/office/drawing/2010/main" xmlns="" val="0"/>
               </a:ext>
             </a:extLst>
           </a:blip>
@@ -9655,7 +10692,7 @@
           <a:noFill/>
           <a:extLst>
             <a:ext uri="{909E8E84-426E-40DD-AFC4-6F175D3DCCD1}">
-              <a14:hiddenFill xmlns:a14="http://schemas.microsoft.com/office/drawing/2010/main">
+              <a14:hiddenFill xmlns:a14="http://schemas.microsoft.com/office/drawing/2010/main" xmlns="">
                 <a:solidFill>
                   <a:srgbClr val="FFFFFF"/>
                 </a:solidFill>
@@ -9669,7 +10706,7 @@
           <p:cNvPr id="4" name="Нижний колонтитул 3">
             <a:extLst>
               <a:ext uri="{FF2B5EF4-FFF2-40B4-BE49-F238E27FC236}">
-                <a16:creationId xmlns:a16="http://schemas.microsoft.com/office/drawing/2014/main" id="{264E49ED-46AA-B741-65B0-E492041AA2FD}"/>
+                <a16:creationId xmlns:a16="http://schemas.microsoft.com/office/drawing/2014/main" xmlns="" id="{264E49ED-46AA-B741-65B0-E492041AA2FD}"/>
               </a:ext>
             </a:extLst>
           </p:cNvPr>
@@ -9694,7 +10731,7 @@
           <p:cNvPr id="5" name="Номер слайда 4">
             <a:extLst>
               <a:ext uri="{FF2B5EF4-FFF2-40B4-BE49-F238E27FC236}">
-                <a16:creationId xmlns:a16="http://schemas.microsoft.com/office/drawing/2014/main" id="{125A51E1-014A-AC2E-3405-3E4AE9BDEDBC}"/>
+                <a16:creationId xmlns:a16="http://schemas.microsoft.com/office/drawing/2014/main" xmlns="" id="{125A51E1-014A-AC2E-3405-3E4AE9BDEDBC}"/>
               </a:ext>
             </a:extLst>
           </p:cNvPr>
@@ -9719,10 +10756,57 @@
           </a:p>
         </p:txBody>
       </p:sp>
+      <p:sp>
+        <p:nvSpPr>
+          <p:cNvPr id="7" name="Управляющая кнопка: домой 6">
+            <a:hlinkClick r:id="rId5" action="ppaction://hlinksldjump" highlightClick="1"/>
+          </p:cNvPr>
+          <p:cNvSpPr/>
+          <p:nvPr/>
+        </p:nvSpPr>
+        <p:spPr>
+          <a:xfrm>
+            <a:off x="336332" y="5927835"/>
+            <a:ext cx="515007" cy="536027"/>
+          </a:xfrm>
+          <a:prstGeom prst="actionButtonHome">
+            <a:avLst/>
+          </a:prstGeom>
+          <a:ln>
+            <a:solidFill>
+              <a:schemeClr val="tx1"/>
+            </a:solidFill>
+          </a:ln>
+        </p:spPr>
+        <p:style>
+          <a:lnRef idx="2">
+            <a:schemeClr val="accent1">
+              <a:shade val="50000"/>
+            </a:schemeClr>
+          </a:lnRef>
+          <a:fillRef idx="1">
+            <a:schemeClr val="accent1"/>
+          </a:fillRef>
+          <a:effectRef idx="0">
+            <a:schemeClr val="accent1"/>
+          </a:effectRef>
+          <a:fontRef idx="minor">
+            <a:schemeClr val="lt1"/>
+          </a:fontRef>
+        </p:style>
+        <p:txBody>
+          <a:bodyPr rtlCol="0" anchor="ctr"/>
+          <a:lstStyle/>
+          <a:p>
+            <a:pPr algn="ctr"/>
+            <a:endParaRPr lang="en-US"/>
+          </a:p>
+        </p:txBody>
+      </p:sp>
     </p:spTree>
     <p:extLst>
       <p:ext uri="{BB962C8B-B14F-4D97-AF65-F5344CB8AC3E}">
-        <p14:creationId xmlns:p14="http://schemas.microsoft.com/office/powerpoint/2010/main" val="457010025"/>
+        <p14:creationId xmlns:p14="http://schemas.microsoft.com/office/powerpoint/2010/main" xmlns="" val="457010025"/>
       </p:ext>
     </p:extLst>
   </p:cSld>
@@ -9775,7 +10859,7 @@
     </a:clrScheme>
     <a:fontScheme name="Mesh">
       <a:majorFont>
-        <a:latin typeface="Century Gothic" panose="020B0502020202020204"/>
+        <a:latin typeface="Century Gothic"/>
         <a:ea typeface=""/>
         <a:cs typeface=""/>
         <a:font script="Jpan" typeface="ＭＳ ゴシック"/>
@@ -9810,7 +10894,7 @@
         <a:font script="Geor" typeface="Sylfaen"/>
       </a:majorFont>
       <a:minorFont>
-        <a:latin typeface="Century Gothic" panose="020B0502020202020204"/>
+        <a:latin typeface="Century Gothic"/>
         <a:ea typeface=""/>
         <a:cs typeface=""/>
         <a:font script="Jpan" typeface="ＭＳ ゴシック"/>
@@ -9982,7 +11066,7 @@
   <a:extraClrSchemeLst/>
   <a:extLst>
     <a:ext uri="{05A4C25C-085E-4340-85A3-A5531E510DB2}">
-      <thm15:themeFamily xmlns:thm15="http://schemas.microsoft.com/office/thememl/2012/main" name="Mesh" id="{789EC3FE-34FD-429C-9918-760025E6C145}" vid="{B8BE45C0-8141-4D58-8C71-A009BC26FBBB}"/>
+      <thm15:themeFamily xmlns:thm15="http://schemas.microsoft.com/office/thememl/2012/main" xmlns="" name="Mesh" id="{789EC3FE-34FD-429C-9918-760025E6C145}" vid="{B8BE45C0-8141-4D58-8C71-A009BC26FBBB}"/>
     </a:ext>
   </a:extLst>
 </a:theme>
@@ -10031,7 +11115,7 @@
     </a:clrScheme>
     <a:fontScheme name="Стандартная">
       <a:majorFont>
-        <a:latin typeface="Calibri Light" panose="020F0302020204030204"/>
+        <a:latin typeface="Calibri Light"/>
         <a:ea typeface=""/>
         <a:cs typeface=""/>
         <a:font script="Jpan" typeface="游ゴシック Light"/>
@@ -10083,7 +11167,7 @@
         <a:font script="Tfng" typeface="Ebrima"/>
       </a:majorFont>
       <a:minorFont>
-        <a:latin typeface="Calibri" panose="020F0502020204030204"/>
+        <a:latin typeface="Calibri"/>
         <a:ea typeface=""/>
         <a:cs typeface=""/>
         <a:font script="Jpan" typeface="游ゴシック"/>
@@ -10277,7 +11361,7 @@
   <a:extraClrSchemeLst/>
   <a:extLst>
     <a:ext uri="{05A4C25C-085E-4340-85A3-A5531E510DB2}">
-      <thm15:themeFamily xmlns:thm15="http://schemas.microsoft.com/office/thememl/2012/main" name="Office Theme" id="{62F939B6-93AF-4DB8-9C6B-D6C7DFDC589F}" vid="{4A3C46E8-61CC-4603-A589-7422A47A8E4A}"/>
+      <thm15:themeFamily xmlns:thm15="http://schemas.microsoft.com/office/thememl/2012/main" xmlns="" name="Office Theme" id="{62F939B6-93AF-4DB8-9C6B-D6C7DFDC589F}" vid="{4A3C46E8-61CC-4603-A589-7422A47A8E4A}"/>
     </a:ext>
   </a:extLst>
 </a:theme>
